--- a/ReinforcementLearning/Ch05.pptx
+++ b/ReinforcementLearning/Ch05.pptx
@@ -5,7 +5,7 @@
     <p:sldMasterId id="2147483648" r:id="rId1"/>
   </p:sldMasterIdLst>
   <p:notesMasterIdLst>
-    <p:notesMasterId r:id="rId17"/>
+    <p:notesMasterId r:id="rId21"/>
   </p:notesMasterIdLst>
   <p:sldIdLst>
     <p:sldId id="256" r:id="rId2"/>
@@ -23,6 +23,10 @@
     <p:sldId id="320" r:id="rId14"/>
     <p:sldId id="321" r:id="rId15"/>
     <p:sldId id="322" r:id="rId16"/>
+    <p:sldId id="324" r:id="rId17"/>
+    <p:sldId id="327" r:id="rId18"/>
+    <p:sldId id="328" r:id="rId19"/>
+    <p:sldId id="323" r:id="rId20"/>
   </p:sldIdLst>
   <p:sldSz cx="12192000" cy="6858000"/>
   <p:notesSz cx="6858000" cy="9144000"/>
@@ -211,7 +215,7 @@
           <a:p>
             <a:fld id="{18302FDC-1CCC-4787-BD2A-441D3AB84DB4}" type="datetimeFigureOut">
               <a:rPr lang="ko-KR" altLang="en-US" smtClean="0"/>
-              <a:t>2021-10-18</a:t>
+              <a:t>2021-10-28</a:t>
             </a:fld>
             <a:endParaRPr lang="ko-KR" altLang="en-US"/>
           </a:p>
@@ -625,7 +629,7 @@
           <a:p>
             <a:fld id="{93168C98-2974-48C4-85C2-FB7C31AC7898}" type="datetime1">
               <a:rPr lang="ko-KR" altLang="en-US" smtClean="0"/>
-              <a:t>2021-10-18</a:t>
+              <a:t>2021-10-28</a:t>
             </a:fld>
             <a:endParaRPr lang="ko-KR" altLang="en-US"/>
           </a:p>
@@ -823,7 +827,7 @@
           <a:p>
             <a:fld id="{ED659D5E-680A-41B2-B626-74DB37565A24}" type="datetime1">
               <a:rPr lang="ko-KR" altLang="en-US" smtClean="0"/>
-              <a:t>2021-10-18</a:t>
+              <a:t>2021-10-28</a:t>
             </a:fld>
             <a:endParaRPr lang="ko-KR" altLang="en-US"/>
           </a:p>
@@ -1031,7 +1035,7 @@
           <a:p>
             <a:fld id="{BEB98A1A-C7A7-485D-A982-ECC253D2C965}" type="datetime1">
               <a:rPr lang="ko-KR" altLang="en-US" smtClean="0"/>
-              <a:t>2021-10-18</a:t>
+              <a:t>2021-10-28</a:t>
             </a:fld>
             <a:endParaRPr lang="ko-KR" altLang="en-US"/>
           </a:p>
@@ -1229,7 +1233,7 @@
           <a:p>
             <a:fld id="{4E37481D-369D-4D37-8FD4-5DC98340B613}" type="datetime1">
               <a:rPr lang="ko-KR" altLang="en-US" smtClean="0"/>
-              <a:t>2021-10-18</a:t>
+              <a:t>2021-10-28</a:t>
             </a:fld>
             <a:endParaRPr lang="ko-KR" altLang="en-US"/>
           </a:p>
@@ -1504,7 +1508,7 @@
           <a:p>
             <a:fld id="{F026C261-94A6-4E5B-A534-C258B84D0074}" type="datetime1">
               <a:rPr lang="ko-KR" altLang="en-US" smtClean="0"/>
-              <a:t>2021-10-18</a:t>
+              <a:t>2021-10-28</a:t>
             </a:fld>
             <a:endParaRPr lang="ko-KR" altLang="en-US"/>
           </a:p>
@@ -1769,7 +1773,7 @@
           <a:p>
             <a:fld id="{4C76B1DF-1112-46A8-BD85-D454AAEE1983}" type="datetime1">
               <a:rPr lang="ko-KR" altLang="en-US" smtClean="0"/>
-              <a:t>2021-10-18</a:t>
+              <a:t>2021-10-28</a:t>
             </a:fld>
             <a:endParaRPr lang="ko-KR" altLang="en-US"/>
           </a:p>
@@ -2181,7 +2185,7 @@
           <a:p>
             <a:fld id="{72DFAE07-44B1-44EF-97C8-CA5BB12A13F1}" type="datetime1">
               <a:rPr lang="ko-KR" altLang="en-US" smtClean="0"/>
-              <a:t>2021-10-18</a:t>
+              <a:t>2021-10-28</a:t>
             </a:fld>
             <a:endParaRPr lang="ko-KR" altLang="en-US"/>
           </a:p>
@@ -2322,7 +2326,7 @@
           <a:p>
             <a:fld id="{4C5B856C-DD07-47DA-97CE-861B385BE2A6}" type="datetime1">
               <a:rPr lang="ko-KR" altLang="en-US" smtClean="0"/>
-              <a:t>2021-10-18</a:t>
+              <a:t>2021-10-28</a:t>
             </a:fld>
             <a:endParaRPr lang="ko-KR" altLang="en-US"/>
           </a:p>
@@ -2435,7 +2439,7 @@
           <a:p>
             <a:fld id="{89639BEC-42B7-4947-AB21-0A8FF1CBC45D}" type="datetime1">
               <a:rPr lang="ko-KR" altLang="en-US" smtClean="0"/>
-              <a:t>2021-10-18</a:t>
+              <a:t>2021-10-28</a:t>
             </a:fld>
             <a:endParaRPr lang="ko-KR" altLang="en-US"/>
           </a:p>
@@ -2746,7 +2750,7 @@
           <a:p>
             <a:fld id="{79457933-7E3E-445E-87B5-7D6C6DA14A56}" type="datetime1">
               <a:rPr lang="ko-KR" altLang="en-US" smtClean="0"/>
-              <a:t>2021-10-18</a:t>
+              <a:t>2021-10-28</a:t>
             </a:fld>
             <a:endParaRPr lang="ko-KR" altLang="en-US"/>
           </a:p>
@@ -3034,7 +3038,7 @@
           <a:p>
             <a:fld id="{E3A9CD6D-F240-4017-B866-7815368BA5B0}" type="datetime1">
               <a:rPr lang="ko-KR" altLang="en-US" smtClean="0"/>
-              <a:t>2021-10-18</a:t>
+              <a:t>2021-10-28</a:t>
             </a:fld>
             <a:endParaRPr lang="ko-KR" altLang="en-US"/>
           </a:p>
@@ -3275,7 +3279,7 @@
           <a:p>
             <a:fld id="{00D69732-C060-476D-B66F-3433455A3BA1}" type="datetime1">
               <a:rPr lang="ko-KR" altLang="en-US" smtClean="0"/>
-              <a:t>2021-10-18</a:t>
+              <a:t>2021-10-28</a:t>
             </a:fld>
             <a:endParaRPr lang="ko-KR" altLang="en-US"/>
           </a:p>
@@ -5503,8 +5507,40 @@
           <a:p>
             <a:r>
               <a:rPr lang="en-US" altLang="ko-KR" dirty="0"/>
+              <a:t>Dilemma</a:t>
+            </a:r>
+          </a:p>
+          <a:p>
+            <a:pPr lvl="1"/>
+            <a:r>
+              <a:rPr lang="en-US" altLang="ko-KR" dirty="0"/>
+              <a:t>To calculate an accurate action value, we trace maximal action values</a:t>
+            </a:r>
+          </a:p>
+          <a:p>
+            <a:pPr lvl="1"/>
+            <a:r>
+              <a:rPr lang="en-US" altLang="ko-KR" dirty="0"/>
+              <a:t>To find a maximal action, we explorer all actions</a:t>
+            </a:r>
+          </a:p>
+          <a:p>
+            <a:r>
+              <a:rPr lang="en-US" altLang="ko-KR" dirty="0"/>
               <a:t>Off-policy learning</a:t>
             </a:r>
+          </a:p>
+          <a:p>
+            <a:pPr lvl="1"/>
+            <a:r>
+              <a:rPr lang="en-US" altLang="ko-KR" dirty="0"/>
+              <a:t>Introducing another policy for </a:t>
+            </a:r>
+            <a:r>
+              <a:rPr lang="en-US" altLang="ko-KR" dirty="0" err="1"/>
+              <a:t>explorering</a:t>
+            </a:r>
+            <a:endParaRPr lang="en-US" altLang="ko-KR" dirty="0"/>
           </a:p>
           <a:p>
             <a:pPr lvl="1"/>
@@ -5544,14 +5580,14 @@
             <a:pPr lvl="2"/>
             <a:r>
               <a:rPr lang="en-US" altLang="ko-KR" dirty="0"/>
-              <a:t>The target policy is learned about and becomes the optimal policy</a:t>
+              <a:t>The target policy is learned about, and that becomes the optimal policy</a:t>
             </a:r>
           </a:p>
           <a:p>
             <a:pPr lvl="2"/>
             <a:r>
               <a:rPr lang="en-US" altLang="ko-KR" dirty="0"/>
-              <a:t>The behavior policy is more exploratory and is used to generate behavior</a:t>
+              <a:t>The behavior policy is more exploratory, and is used to generate behavior</a:t>
             </a:r>
             <a:endParaRPr lang="ko-KR" altLang="en-US" dirty="0"/>
           </a:p>
@@ -5590,6 +5626,3805 @@
     <p:extLst>
       <p:ext uri="{BB962C8B-B14F-4D97-AF65-F5344CB8AC3E}">
         <p14:creationId xmlns:p14="http://schemas.microsoft.com/office/powerpoint/2010/main" val="682579761"/>
+      </p:ext>
+    </p:extLst>
+  </p:cSld>
+  <p:clrMapOvr>
+    <a:masterClrMapping/>
+  </p:clrMapOvr>
+</p:sld>
+</file>
+
+<file path=ppt/slides/slide16.xml><?xml version="1.0" encoding="utf-8"?>
+<p:sld xmlns:a="http://schemas.openxmlformats.org/drawingml/2006/main" xmlns:r="http://schemas.openxmlformats.org/officeDocument/2006/relationships" xmlns:p="http://schemas.openxmlformats.org/presentationml/2006/main">
+  <p:cSld>
+    <p:spTree>
+      <p:nvGrpSpPr>
+        <p:cNvPr id="1" name=""/>
+        <p:cNvGrpSpPr/>
+        <p:nvPr/>
+      </p:nvGrpSpPr>
+      <p:grpSpPr>
+        <a:xfrm>
+          <a:off x="0" y="0"/>
+          <a:ext cx="0" cy="0"/>
+          <a:chOff x="0" y="0"/>
+          <a:chExt cx="0" cy="0"/>
+        </a:xfrm>
+      </p:grpSpPr>
+      <p:sp>
+        <p:nvSpPr>
+          <p:cNvPr id="2" name="제목 1">
+            <a:extLst>
+              <a:ext uri="{FF2B5EF4-FFF2-40B4-BE49-F238E27FC236}">
+                <a16:creationId xmlns:a16="http://schemas.microsoft.com/office/drawing/2014/main" id="{80232319-F3D1-4B70-80FB-4E8C2AF585B6}"/>
+              </a:ext>
+            </a:extLst>
+          </p:cNvPr>
+          <p:cNvSpPr>
+            <a:spLocks noGrp="1"/>
+          </p:cNvSpPr>
+          <p:nvPr>
+            <p:ph type="title"/>
+          </p:nvPr>
+        </p:nvSpPr>
+        <p:spPr/>
+        <p:txBody>
+          <a:bodyPr/>
+          <a:lstStyle/>
+          <a:p>
+            <a:endParaRPr lang="ko-KR" altLang="en-US"/>
+          </a:p>
+        </p:txBody>
+      </p:sp>
+      <mc:AlternateContent xmlns:mc="http://schemas.openxmlformats.org/markup-compatibility/2006">
+        <mc:Choice xmlns:a14="http://schemas.microsoft.com/office/drawing/2010/main" Requires="a14">
+          <p:sp>
+            <p:nvSpPr>
+              <p:cNvPr id="3" name="내용 개체 틀 2">
+                <a:extLst>
+                  <a:ext uri="{FF2B5EF4-FFF2-40B4-BE49-F238E27FC236}">
+                    <a16:creationId xmlns:a16="http://schemas.microsoft.com/office/drawing/2014/main" id="{625CEB27-0235-443F-9099-823892452532}"/>
+                  </a:ext>
+                </a:extLst>
+              </p:cNvPr>
+              <p:cNvSpPr>
+                <a:spLocks noGrp="1"/>
+              </p:cNvSpPr>
+              <p:nvPr>
+                <p:ph idx="1"/>
+              </p:nvPr>
+            </p:nvSpPr>
+            <p:spPr/>
+            <p:txBody>
+              <a:bodyPr/>
+              <a:lstStyle/>
+              <a:p>
+                <a:r>
+                  <a:rPr lang="en-US" altLang="ko-KR" dirty="0"/>
+                  <a:t>The assumption of coverage</a:t>
+                </a:r>
+                <a:endParaRPr lang="en-US" altLang="ko-KR" i="1" dirty="0">
+                  <a:latin typeface="Cambria Math" panose="02040503050406030204" pitchFamily="18" charset="0"/>
+                </a:endParaRPr>
+              </a:p>
+              <a:p>
+                <a:pPr lvl="1"/>
+                <a14:m>
+                  <m:oMath xmlns:m="http://schemas.openxmlformats.org/officeDocument/2006/math">
+                    <m:sSub>
+                      <m:sSubPr>
+                        <m:ctrlPr>
+                          <a:rPr lang="en-US" altLang="ko-KR" b="0" i="1" smtClean="0">
+                            <a:latin typeface="Cambria Math" panose="02040503050406030204" pitchFamily="18" charset="0"/>
+                          </a:rPr>
+                        </m:ctrlPr>
+                      </m:sSubPr>
+                      <m:e>
+                        <m:r>
+                          <a:rPr lang="en-US" altLang="ko-KR" b="0" i="1" smtClean="0">
+                            <a:latin typeface="Cambria Math" panose="02040503050406030204" pitchFamily="18" charset="0"/>
+                          </a:rPr>
+                          <m:t>𝑞</m:t>
+                        </m:r>
+                      </m:e>
+                      <m:sub>
+                        <m:r>
+                          <a:rPr lang="en-US" altLang="ko-KR" b="0" i="1" smtClean="0">
+                            <a:latin typeface="Cambria Math" panose="02040503050406030204" pitchFamily="18" charset="0"/>
+                          </a:rPr>
+                          <m:t>𝜋</m:t>
+                        </m:r>
+                      </m:sub>
+                    </m:sSub>
+                    <m:r>
+                      <a:rPr lang="en-US" altLang="ko-KR" b="0" i="1" smtClean="0">
+                        <a:latin typeface="Cambria Math" panose="02040503050406030204" pitchFamily="18" charset="0"/>
+                      </a:rPr>
+                      <m:t>(</m:t>
+                    </m:r>
+                    <m:r>
+                      <a:rPr lang="en-US" altLang="ko-KR" b="0" i="1" smtClean="0">
+                        <a:latin typeface="Cambria Math" panose="02040503050406030204" pitchFamily="18" charset="0"/>
+                      </a:rPr>
+                      <m:t>𝑎</m:t>
+                    </m:r>
+                    <m:r>
+                      <a:rPr lang="en-US" altLang="ko-KR" b="0" i="1" smtClean="0">
+                        <a:latin typeface="Cambria Math" panose="02040503050406030204" pitchFamily="18" charset="0"/>
+                      </a:rPr>
+                      <m:t>|</m:t>
+                    </m:r>
+                    <m:r>
+                      <a:rPr lang="en-US" altLang="ko-KR" b="0" i="1" smtClean="0">
+                        <a:latin typeface="Cambria Math" panose="02040503050406030204" pitchFamily="18" charset="0"/>
+                      </a:rPr>
+                      <m:t>𝑠</m:t>
+                    </m:r>
+                    <m:r>
+                      <a:rPr lang="en-US" altLang="ko-KR" b="0" i="1" smtClean="0">
+                        <a:latin typeface="Cambria Math" panose="02040503050406030204" pitchFamily="18" charset="0"/>
+                      </a:rPr>
+                      <m:t>)</m:t>
+                    </m:r>
+                  </m:oMath>
+                </a14:m>
+                <a:r>
+                  <a:rPr lang="en-US" altLang="ko-KR" b="0" dirty="0"/>
+                  <a:t> must be evaluated if </a:t>
+                </a:r>
+                <a14:m>
+                  <m:oMath xmlns:m="http://schemas.openxmlformats.org/officeDocument/2006/math">
+                    <m:r>
+                      <a:rPr lang="en-US" altLang="ko-KR" i="1">
+                        <a:latin typeface="Cambria Math" panose="02040503050406030204" pitchFamily="18" charset="0"/>
+                      </a:rPr>
+                      <m:t>𝜋</m:t>
+                    </m:r>
+                    <m:d>
+                      <m:dPr>
+                        <m:ctrlPr>
+                          <a:rPr lang="en-US" altLang="ko-KR" i="1">
+                            <a:latin typeface="Cambria Math" panose="02040503050406030204" pitchFamily="18" charset="0"/>
+                          </a:rPr>
+                        </m:ctrlPr>
+                      </m:dPr>
+                      <m:e>
+                        <m:r>
+                          <a:rPr lang="en-US" altLang="ko-KR" i="1">
+                            <a:latin typeface="Cambria Math" panose="02040503050406030204" pitchFamily="18" charset="0"/>
+                          </a:rPr>
+                          <m:t>𝑎</m:t>
+                        </m:r>
+                      </m:e>
+                      <m:e>
+                        <m:r>
+                          <a:rPr lang="en-US" altLang="ko-KR" i="1">
+                            <a:latin typeface="Cambria Math" panose="02040503050406030204" pitchFamily="18" charset="0"/>
+                          </a:rPr>
+                          <m:t>𝑠</m:t>
+                        </m:r>
+                      </m:e>
+                    </m:d>
+                    <m:r>
+                      <a:rPr lang="en-US" altLang="ko-KR" i="1">
+                        <a:latin typeface="Cambria Math" panose="02040503050406030204" pitchFamily="18" charset="0"/>
+                      </a:rPr>
+                      <m:t>&gt;0</m:t>
+                    </m:r>
+                  </m:oMath>
+                </a14:m>
+                <a:r>
+                  <a:rPr lang="ko-KR" altLang="en-US" dirty="0"/>
+                  <a:t> </a:t>
+                </a:r>
+                <a:endParaRPr lang="en-US" altLang="ko-KR" dirty="0"/>
+              </a:p>
+              <a:p>
+                <a:pPr lvl="1"/>
+                <a:r>
+                  <a:rPr lang="en-US" altLang="ko-KR" b="0" dirty="0"/>
+                  <a:t>Hence </a:t>
+                </a:r>
+                <a14:m>
+                  <m:oMath xmlns:m="http://schemas.openxmlformats.org/officeDocument/2006/math">
+                    <m:r>
+                      <a:rPr lang="en-US" altLang="ko-KR" i="1">
+                        <a:latin typeface="Cambria Math" panose="02040503050406030204" pitchFamily="18" charset="0"/>
+                      </a:rPr>
+                      <m:t>𝜋</m:t>
+                    </m:r>
+                    <m:d>
+                      <m:dPr>
+                        <m:ctrlPr>
+                          <a:rPr lang="en-US" altLang="ko-KR" i="1">
+                            <a:latin typeface="Cambria Math" panose="02040503050406030204" pitchFamily="18" charset="0"/>
+                          </a:rPr>
+                        </m:ctrlPr>
+                      </m:dPr>
+                      <m:e>
+                        <m:r>
+                          <a:rPr lang="en-US" altLang="ko-KR" i="1">
+                            <a:latin typeface="Cambria Math" panose="02040503050406030204" pitchFamily="18" charset="0"/>
+                          </a:rPr>
+                          <m:t>𝑎</m:t>
+                        </m:r>
+                      </m:e>
+                      <m:e>
+                        <m:r>
+                          <a:rPr lang="en-US" altLang="ko-KR" i="1">
+                            <a:latin typeface="Cambria Math" panose="02040503050406030204" pitchFamily="18" charset="0"/>
+                          </a:rPr>
+                          <m:t>𝑠</m:t>
+                        </m:r>
+                      </m:e>
+                    </m:d>
+                    <m:r>
+                      <a:rPr lang="en-US" altLang="ko-KR" i="1">
+                        <a:latin typeface="Cambria Math" panose="02040503050406030204" pitchFamily="18" charset="0"/>
+                      </a:rPr>
+                      <m:t>&gt;0</m:t>
+                    </m:r>
+                  </m:oMath>
+                </a14:m>
+                <a:r>
+                  <a:rPr lang="ko-KR" altLang="en-US" dirty="0"/>
+                  <a:t> </a:t>
+                </a:r>
+                <a:r>
+                  <a:rPr lang="en-US" altLang="ko-KR" dirty="0"/>
+                  <a:t>implies </a:t>
+                </a:r>
+                <a14:m>
+                  <m:oMath xmlns:m="http://schemas.openxmlformats.org/officeDocument/2006/math">
+                    <m:r>
+                      <a:rPr lang="en-US" altLang="ko-KR" i="1">
+                        <a:latin typeface="Cambria Math" panose="02040503050406030204" pitchFamily="18" charset="0"/>
+                      </a:rPr>
+                      <m:t>𝑏</m:t>
+                    </m:r>
+                    <m:d>
+                      <m:dPr>
+                        <m:ctrlPr>
+                          <a:rPr lang="en-US" altLang="ko-KR" i="1">
+                            <a:latin typeface="Cambria Math" panose="02040503050406030204" pitchFamily="18" charset="0"/>
+                          </a:rPr>
+                        </m:ctrlPr>
+                      </m:dPr>
+                      <m:e>
+                        <m:r>
+                          <a:rPr lang="en-US" altLang="ko-KR" i="1">
+                            <a:latin typeface="Cambria Math" panose="02040503050406030204" pitchFamily="18" charset="0"/>
+                          </a:rPr>
+                          <m:t>𝑎</m:t>
+                        </m:r>
+                      </m:e>
+                      <m:e>
+                        <m:r>
+                          <a:rPr lang="en-US" altLang="ko-KR" i="1">
+                            <a:latin typeface="Cambria Math" panose="02040503050406030204" pitchFamily="18" charset="0"/>
+                          </a:rPr>
+                          <m:t>𝑠</m:t>
+                        </m:r>
+                      </m:e>
+                    </m:d>
+                    <m:r>
+                      <a:rPr lang="en-US" altLang="ko-KR" i="1">
+                        <a:latin typeface="Cambria Math" panose="02040503050406030204" pitchFamily="18" charset="0"/>
+                      </a:rPr>
+                      <m:t>&gt;0</m:t>
+                    </m:r>
+                  </m:oMath>
+                </a14:m>
+                <a:endParaRPr lang="en-US" altLang="ko-KR" dirty="0"/>
+              </a:p>
+              <a:p>
+                <a:r>
+                  <a:rPr lang="en-US" altLang="ko-KR" sz="2400" dirty="0"/>
+                  <a:t>Importance sampling</a:t>
+                </a:r>
+              </a:p>
+              <a:p>
+                <a:pPr lvl="1"/>
+                <a:r>
+                  <a:rPr lang="en-US" altLang="ko-KR" sz="2000" dirty="0"/>
+                  <a:t>An off-policy prediction</a:t>
+                </a:r>
+              </a:p>
+              <a:p>
+                <a:pPr lvl="1"/>
+                <a:r>
+                  <a:rPr lang="en-US" altLang="ko-KR" sz="2000" dirty="0"/>
+                  <a:t>A general technique for estimating expected values under one distribution given samples from another</a:t>
+                </a:r>
+                <a:endParaRPr lang="ko-KR" altLang="en-US" sz="2000" dirty="0"/>
+              </a:p>
+              <a:p>
+                <a:endParaRPr lang="en-US" altLang="ko-KR" dirty="0"/>
+              </a:p>
+              <a:p>
+                <a:pPr lvl="2"/>
+                <a:endParaRPr lang="en-US" altLang="ko-KR" b="0" dirty="0"/>
+              </a:p>
+              <a:p>
+                <a:pPr lvl="1"/>
+                <a:endParaRPr lang="ko-KR" altLang="en-US" dirty="0"/>
+              </a:p>
+            </p:txBody>
+          </p:sp>
+        </mc:Choice>
+        <mc:Fallback>
+          <p:sp>
+            <p:nvSpPr>
+              <p:cNvPr id="3" name="내용 개체 틀 2">
+                <a:extLst>
+                  <a:ext uri="{FF2B5EF4-FFF2-40B4-BE49-F238E27FC236}">
+                    <a16:creationId xmlns:a16="http://schemas.microsoft.com/office/drawing/2014/main" id="{625CEB27-0235-443F-9099-823892452532}"/>
+                  </a:ext>
+                </a:extLst>
+              </p:cNvPr>
+              <p:cNvSpPr>
+                <a:spLocks noGrp="1" noRot="1" noChangeAspect="1" noMove="1" noResize="1" noEditPoints="1" noAdjustHandles="1" noChangeArrowheads="1" noChangeShapeType="1" noTextEdit="1"/>
+              </p:cNvSpPr>
+              <p:nvPr>
+                <p:ph idx="1"/>
+              </p:nvPr>
+            </p:nvSpPr>
+            <p:spPr>
+              <a:blipFill>
+                <a:blip r:embed="rId2"/>
+                <a:stretch>
+                  <a:fillRect l="-1043" t="-2381"/>
+                </a:stretch>
+              </a:blipFill>
+            </p:spPr>
+            <p:txBody>
+              <a:bodyPr/>
+              <a:lstStyle/>
+              <a:p>
+                <a:r>
+                  <a:rPr lang="ko-KR" altLang="en-US">
+                    <a:noFill/>
+                  </a:rPr>
+                  <a:t> </a:t>
+                </a:r>
+              </a:p>
+            </p:txBody>
+          </p:sp>
+        </mc:Fallback>
+      </mc:AlternateContent>
+      <p:sp>
+        <p:nvSpPr>
+          <p:cNvPr id="4" name="슬라이드 번호 개체 틀 3">
+            <a:extLst>
+              <a:ext uri="{FF2B5EF4-FFF2-40B4-BE49-F238E27FC236}">
+                <a16:creationId xmlns:a16="http://schemas.microsoft.com/office/drawing/2014/main" id="{86D36939-18BA-4EEA-ACB8-6D336BD4A8D0}"/>
+              </a:ext>
+            </a:extLst>
+          </p:cNvPr>
+          <p:cNvSpPr>
+            <a:spLocks noGrp="1"/>
+          </p:cNvSpPr>
+          <p:nvPr>
+            <p:ph type="sldNum" sz="quarter" idx="12"/>
+          </p:nvPr>
+        </p:nvSpPr>
+        <p:spPr/>
+        <p:txBody>
+          <a:bodyPr/>
+          <a:lstStyle/>
+          <a:p>
+            <a:fld id="{D9B91BA1-CD9E-4E83-8CF9-E4545718B126}" type="slidenum">
+              <a:rPr lang="ko-KR" altLang="en-US" smtClean="0"/>
+              <a:t>16</a:t>
+            </a:fld>
+            <a:endParaRPr lang="ko-KR" altLang="en-US"/>
+          </a:p>
+        </p:txBody>
+      </p:sp>
+    </p:spTree>
+    <p:extLst>
+      <p:ext uri="{BB962C8B-B14F-4D97-AF65-F5344CB8AC3E}">
+        <p14:creationId xmlns:p14="http://schemas.microsoft.com/office/powerpoint/2010/main" val="2668939451"/>
+      </p:ext>
+    </p:extLst>
+  </p:cSld>
+  <p:clrMapOvr>
+    <a:masterClrMapping/>
+  </p:clrMapOvr>
+</p:sld>
+</file>
+
+<file path=ppt/slides/slide17.xml><?xml version="1.0" encoding="utf-8"?>
+<p:sld xmlns:a="http://schemas.openxmlformats.org/drawingml/2006/main" xmlns:r="http://schemas.openxmlformats.org/officeDocument/2006/relationships" xmlns:p="http://schemas.openxmlformats.org/presentationml/2006/main">
+  <p:cSld>
+    <p:spTree>
+      <p:nvGrpSpPr>
+        <p:cNvPr id="1" name=""/>
+        <p:cNvGrpSpPr/>
+        <p:nvPr/>
+      </p:nvGrpSpPr>
+      <p:grpSpPr>
+        <a:xfrm>
+          <a:off x="0" y="0"/>
+          <a:ext cx="0" cy="0"/>
+          <a:chOff x="0" y="0"/>
+          <a:chExt cx="0" cy="0"/>
+        </a:xfrm>
+      </p:grpSpPr>
+      <mc:AlternateContent xmlns:mc="http://schemas.openxmlformats.org/markup-compatibility/2006">
+        <mc:Choice xmlns:a14="http://schemas.microsoft.com/office/drawing/2010/main" Requires="a14">
+          <p:sp>
+            <p:nvSpPr>
+              <p:cNvPr id="3" name="내용 개체 틀 2">
+                <a:extLst>
+                  <a:ext uri="{FF2B5EF4-FFF2-40B4-BE49-F238E27FC236}">
+                    <a16:creationId xmlns:a16="http://schemas.microsoft.com/office/drawing/2014/main" id="{B4C8ECBD-DE3D-4FEB-A8DA-672715ED9E19}"/>
+                  </a:ext>
+                </a:extLst>
+              </p:cNvPr>
+              <p:cNvSpPr>
+                <a:spLocks noGrp="1"/>
+              </p:cNvSpPr>
+              <p:nvPr>
+                <p:ph idx="1"/>
+              </p:nvPr>
+            </p:nvSpPr>
+            <p:spPr>
+              <a:xfrm>
+                <a:off x="838200" y="365125"/>
+                <a:ext cx="10515600" cy="5811838"/>
+              </a:xfrm>
+            </p:spPr>
+            <p:txBody>
+              <a:bodyPr>
+                <a:normAutofit/>
+              </a:bodyPr>
+              <a:lstStyle/>
+              <a:p>
+                <a:pPr>
+                  <a:lnSpc>
+                    <a:spcPct val="100000"/>
+                  </a:lnSpc>
+                </a:pPr>
+                <a:r>
+                  <a:rPr lang="en-US" altLang="ko-KR" sz="2000" dirty="0"/>
+                  <a:t>The probability of the state–action trajectory under </a:t>
+                </a:r>
+                <a14:m>
+                  <m:oMath xmlns:m="http://schemas.openxmlformats.org/officeDocument/2006/math">
+                    <m:r>
+                      <a:rPr lang="en-US" altLang="ko-KR" sz="2000" i="1">
+                        <a:latin typeface="Cambria Math" panose="02040503050406030204" pitchFamily="18" charset="0"/>
+                      </a:rPr>
+                      <m:t>𝜋</m:t>
+                    </m:r>
+                  </m:oMath>
+                </a14:m>
+                <a:br>
+                  <a:rPr lang="en-US" altLang="ko-KR" sz="2000" i="1" dirty="0">
+                    <a:latin typeface="Cambria Math" panose="02040503050406030204" pitchFamily="18" charset="0"/>
+                  </a:rPr>
+                </a:br>
+                <a14:m>
+                  <m:oMath xmlns:m="http://schemas.openxmlformats.org/officeDocument/2006/math">
+                    <m:func>
+                      <m:funcPr>
+                        <m:ctrlPr>
+                          <a:rPr lang="en-US" altLang="ko-KR" sz="2000" i="1">
+                            <a:latin typeface="Cambria Math" panose="02040503050406030204" pitchFamily="18" charset="0"/>
+                          </a:rPr>
+                        </m:ctrlPr>
+                      </m:funcPr>
+                      <m:fName>
+                        <m:r>
+                          <m:rPr>
+                            <m:sty m:val="p"/>
+                          </m:rPr>
+                          <a:rPr lang="en-US" altLang="ko-KR" sz="2000">
+                            <a:latin typeface="Cambria Math" panose="02040503050406030204" pitchFamily="18" charset="0"/>
+                          </a:rPr>
+                          <m:t>Pr</m:t>
+                        </m:r>
+                      </m:fName>
+                      <m:e>
+                        <m:d>
+                          <m:dPr>
+                            <m:begChr m:val="{"/>
+                            <m:endChr m:val="}"/>
+                            <m:ctrlPr>
+                              <a:rPr lang="en-US" altLang="ko-KR" sz="2000" i="1">
+                                <a:latin typeface="Cambria Math" panose="02040503050406030204" pitchFamily="18" charset="0"/>
+                              </a:rPr>
+                            </m:ctrlPr>
+                          </m:dPr>
+                          <m:e>
+                            <m:sSub>
+                              <m:sSubPr>
+                                <m:ctrlPr>
+                                  <a:rPr lang="en-US" altLang="ko-KR" sz="2000" i="1">
+                                    <a:latin typeface="Cambria Math" panose="02040503050406030204" pitchFamily="18" charset="0"/>
+                                  </a:rPr>
+                                </m:ctrlPr>
+                              </m:sSubPr>
+                              <m:e>
+                                <m:r>
+                                  <a:rPr lang="en-US" altLang="ko-KR" sz="2000" i="1">
+                                    <a:latin typeface="Cambria Math" panose="02040503050406030204" pitchFamily="18" charset="0"/>
+                                  </a:rPr>
+                                  <m:t>𝐴</m:t>
+                                </m:r>
+                              </m:e>
+                              <m:sub>
+                                <m:r>
+                                  <a:rPr lang="en-US" altLang="ko-KR" sz="2000" i="1">
+                                    <a:latin typeface="Cambria Math" panose="02040503050406030204" pitchFamily="18" charset="0"/>
+                                  </a:rPr>
+                                  <m:t>𝑡</m:t>
+                                </m:r>
+                              </m:sub>
+                            </m:sSub>
+                            <m:r>
+                              <a:rPr lang="en-US" altLang="ko-KR" sz="2000" i="1">
+                                <a:latin typeface="Cambria Math" panose="02040503050406030204" pitchFamily="18" charset="0"/>
+                              </a:rPr>
+                              <m:t>,</m:t>
+                            </m:r>
+                            <m:sSub>
+                              <m:sSubPr>
+                                <m:ctrlPr>
+                                  <a:rPr lang="en-US" altLang="ko-KR" sz="2000" i="1">
+                                    <a:latin typeface="Cambria Math" panose="02040503050406030204" pitchFamily="18" charset="0"/>
+                                  </a:rPr>
+                                </m:ctrlPr>
+                              </m:sSubPr>
+                              <m:e>
+                                <m:r>
+                                  <a:rPr lang="en-US" altLang="ko-KR" sz="2000" i="1">
+                                    <a:latin typeface="Cambria Math" panose="02040503050406030204" pitchFamily="18" charset="0"/>
+                                  </a:rPr>
+                                  <m:t>𝑆</m:t>
+                                </m:r>
+                              </m:e>
+                              <m:sub>
+                                <m:r>
+                                  <a:rPr lang="en-US" altLang="ko-KR" sz="2000" i="1">
+                                    <a:latin typeface="Cambria Math" panose="02040503050406030204" pitchFamily="18" charset="0"/>
+                                  </a:rPr>
+                                  <m:t>𝑡</m:t>
+                                </m:r>
+                                <m:r>
+                                  <a:rPr lang="en-US" altLang="ko-KR" sz="2000" i="1">
+                                    <a:latin typeface="Cambria Math" panose="02040503050406030204" pitchFamily="18" charset="0"/>
+                                  </a:rPr>
+                                  <m:t>+1</m:t>
+                                </m:r>
+                              </m:sub>
+                            </m:sSub>
+                            <m:r>
+                              <a:rPr lang="en-US" altLang="ko-KR" sz="2000" i="1">
+                                <a:latin typeface="Cambria Math" panose="02040503050406030204" pitchFamily="18" charset="0"/>
+                              </a:rPr>
+                              <m:t>,</m:t>
+                            </m:r>
+                            <m:sSub>
+                              <m:sSubPr>
+                                <m:ctrlPr>
+                                  <a:rPr lang="en-US" altLang="ko-KR" sz="2000" i="1">
+                                    <a:latin typeface="Cambria Math" panose="02040503050406030204" pitchFamily="18" charset="0"/>
+                                  </a:rPr>
+                                </m:ctrlPr>
+                              </m:sSubPr>
+                              <m:e>
+                                <m:r>
+                                  <a:rPr lang="en-US" altLang="ko-KR" sz="2000" i="1">
+                                    <a:latin typeface="Cambria Math" panose="02040503050406030204" pitchFamily="18" charset="0"/>
+                                  </a:rPr>
+                                  <m:t>𝐴</m:t>
+                                </m:r>
+                              </m:e>
+                              <m:sub>
+                                <m:r>
+                                  <a:rPr lang="en-US" altLang="ko-KR" sz="2000" i="1">
+                                    <a:latin typeface="Cambria Math" panose="02040503050406030204" pitchFamily="18" charset="0"/>
+                                  </a:rPr>
+                                  <m:t>𝑡</m:t>
+                                </m:r>
+                                <m:r>
+                                  <a:rPr lang="en-US" altLang="ko-KR" sz="2000" i="1">
+                                    <a:latin typeface="Cambria Math" panose="02040503050406030204" pitchFamily="18" charset="0"/>
+                                  </a:rPr>
+                                  <m:t>+1</m:t>
+                                </m:r>
+                              </m:sub>
+                            </m:sSub>
+                            <m:r>
+                              <a:rPr lang="en-US" altLang="ko-KR" sz="2000" i="1">
+                                <a:latin typeface="Cambria Math" panose="02040503050406030204" pitchFamily="18" charset="0"/>
+                              </a:rPr>
+                              <m:t>,…,</m:t>
+                            </m:r>
+                            <m:sSub>
+                              <m:sSubPr>
+                                <m:ctrlPr>
+                                  <a:rPr lang="en-US" altLang="ko-KR" sz="2000" i="1">
+                                    <a:latin typeface="Cambria Math" panose="02040503050406030204" pitchFamily="18" charset="0"/>
+                                  </a:rPr>
+                                </m:ctrlPr>
+                              </m:sSubPr>
+                              <m:e>
+                                <m:r>
+                                  <a:rPr lang="en-US" altLang="ko-KR" sz="2000" i="1">
+                                    <a:latin typeface="Cambria Math" panose="02040503050406030204" pitchFamily="18" charset="0"/>
+                                  </a:rPr>
+                                  <m:t>𝑆</m:t>
+                                </m:r>
+                              </m:e>
+                              <m:sub>
+                                <m:r>
+                                  <a:rPr lang="en-US" altLang="ko-KR" sz="2000" i="1">
+                                    <a:latin typeface="Cambria Math" panose="02040503050406030204" pitchFamily="18" charset="0"/>
+                                  </a:rPr>
+                                  <m:t>𝑇</m:t>
+                                </m:r>
+                              </m:sub>
+                            </m:sSub>
+                          </m:e>
+                          <m:e>
+                            <m:sSub>
+                              <m:sSubPr>
+                                <m:ctrlPr>
+                                  <a:rPr lang="en-US" altLang="ko-KR" sz="2000" i="1">
+                                    <a:latin typeface="Cambria Math" panose="02040503050406030204" pitchFamily="18" charset="0"/>
+                                  </a:rPr>
+                                </m:ctrlPr>
+                              </m:sSubPr>
+                              <m:e>
+                                <m:r>
+                                  <a:rPr lang="en-US" altLang="ko-KR" sz="2000" i="1">
+                                    <a:latin typeface="Cambria Math" panose="02040503050406030204" pitchFamily="18" charset="0"/>
+                                  </a:rPr>
+                                  <m:t>𝑆</m:t>
+                                </m:r>
+                              </m:e>
+                              <m:sub>
+                                <m:r>
+                                  <a:rPr lang="en-US" altLang="ko-KR" sz="2000" i="1">
+                                    <a:latin typeface="Cambria Math" panose="02040503050406030204" pitchFamily="18" charset="0"/>
+                                  </a:rPr>
+                                  <m:t>𝑡</m:t>
+                                </m:r>
+                              </m:sub>
+                            </m:sSub>
+                          </m:e>
+                        </m:d>
+                      </m:e>
+                    </m:func>
+                    <m:r>
+                      <a:rPr lang="en-US" altLang="ko-KR" sz="2000">
+                        <a:latin typeface="Cambria Math" panose="02040503050406030204" pitchFamily="18" charset="0"/>
+                      </a:rPr>
+                      <m:t>=</m:t>
+                    </m:r>
+                    <m:r>
+                      <a:rPr lang="en-US" altLang="ko-KR" sz="2000" i="1">
+                        <a:latin typeface="Cambria Math" panose="02040503050406030204" pitchFamily="18" charset="0"/>
+                      </a:rPr>
+                      <m:t>𝜋</m:t>
+                    </m:r>
+                    <m:d>
+                      <m:dPr>
+                        <m:ctrlPr>
+                          <a:rPr lang="en-US" altLang="ko-KR" sz="2000" i="1">
+                            <a:latin typeface="Cambria Math" panose="02040503050406030204" pitchFamily="18" charset="0"/>
+                          </a:rPr>
+                        </m:ctrlPr>
+                      </m:dPr>
+                      <m:e>
+                        <m:sSub>
+                          <m:sSubPr>
+                            <m:ctrlPr>
+                              <a:rPr lang="en-US" altLang="ko-KR" sz="2000" i="1">
+                                <a:latin typeface="Cambria Math" panose="02040503050406030204" pitchFamily="18" charset="0"/>
+                              </a:rPr>
+                            </m:ctrlPr>
+                          </m:sSubPr>
+                          <m:e>
+                            <m:r>
+                              <a:rPr lang="en-US" altLang="ko-KR" sz="2000" i="1">
+                                <a:latin typeface="Cambria Math" panose="02040503050406030204" pitchFamily="18" charset="0"/>
+                              </a:rPr>
+                              <m:t>𝐴</m:t>
+                            </m:r>
+                          </m:e>
+                          <m:sub>
+                            <m:r>
+                              <a:rPr lang="en-US" altLang="ko-KR" sz="2000" i="1">
+                                <a:latin typeface="Cambria Math" panose="02040503050406030204" pitchFamily="18" charset="0"/>
+                              </a:rPr>
+                              <m:t>𝑡</m:t>
+                            </m:r>
+                          </m:sub>
+                        </m:sSub>
+                      </m:e>
+                      <m:e>
+                        <m:sSub>
+                          <m:sSubPr>
+                            <m:ctrlPr>
+                              <a:rPr lang="en-US" altLang="ko-KR" sz="2000" i="1">
+                                <a:latin typeface="Cambria Math" panose="02040503050406030204" pitchFamily="18" charset="0"/>
+                              </a:rPr>
+                            </m:ctrlPr>
+                          </m:sSubPr>
+                          <m:e>
+                            <m:r>
+                              <a:rPr lang="en-US" altLang="ko-KR" sz="2000" i="1">
+                                <a:latin typeface="Cambria Math" panose="02040503050406030204" pitchFamily="18" charset="0"/>
+                              </a:rPr>
+                              <m:t>𝑆</m:t>
+                            </m:r>
+                          </m:e>
+                          <m:sub>
+                            <m:r>
+                              <a:rPr lang="en-US" altLang="ko-KR" sz="2000" i="1">
+                                <a:latin typeface="Cambria Math" panose="02040503050406030204" pitchFamily="18" charset="0"/>
+                              </a:rPr>
+                              <m:t>𝑡</m:t>
+                            </m:r>
+                          </m:sub>
+                        </m:sSub>
+                      </m:e>
+                    </m:d>
+                    <m:r>
+                      <a:rPr lang="en-US" altLang="ko-KR" sz="2000" i="1">
+                        <a:latin typeface="Cambria Math" panose="02040503050406030204" pitchFamily="18" charset="0"/>
+                      </a:rPr>
+                      <m:t>𝑝</m:t>
+                    </m:r>
+                    <m:d>
+                      <m:dPr>
+                        <m:ctrlPr>
+                          <a:rPr lang="en-US" altLang="ko-KR" sz="2000" i="1">
+                            <a:latin typeface="Cambria Math" panose="02040503050406030204" pitchFamily="18" charset="0"/>
+                          </a:rPr>
+                        </m:ctrlPr>
+                      </m:dPr>
+                      <m:e>
+                        <m:sSub>
+                          <m:sSubPr>
+                            <m:ctrlPr>
+                              <a:rPr lang="en-US" altLang="ko-KR" sz="2000" i="1">
+                                <a:latin typeface="Cambria Math" panose="02040503050406030204" pitchFamily="18" charset="0"/>
+                              </a:rPr>
+                            </m:ctrlPr>
+                          </m:sSubPr>
+                          <m:e>
+                            <m:r>
+                              <a:rPr lang="en-US" altLang="ko-KR" sz="2000" i="1">
+                                <a:latin typeface="Cambria Math" panose="02040503050406030204" pitchFamily="18" charset="0"/>
+                              </a:rPr>
+                              <m:t>𝑆</m:t>
+                            </m:r>
+                          </m:e>
+                          <m:sub>
+                            <m:r>
+                              <a:rPr lang="en-US" altLang="ko-KR" sz="2000" i="1">
+                                <a:latin typeface="Cambria Math" panose="02040503050406030204" pitchFamily="18" charset="0"/>
+                              </a:rPr>
+                              <m:t>𝑡</m:t>
+                            </m:r>
+                            <m:r>
+                              <a:rPr lang="en-US" altLang="ko-KR" sz="2000" i="1">
+                                <a:latin typeface="Cambria Math" panose="02040503050406030204" pitchFamily="18" charset="0"/>
+                              </a:rPr>
+                              <m:t>+1</m:t>
+                            </m:r>
+                          </m:sub>
+                        </m:sSub>
+                      </m:e>
+                      <m:e>
+                        <m:sSub>
+                          <m:sSubPr>
+                            <m:ctrlPr>
+                              <a:rPr lang="en-US" altLang="ko-KR" sz="2000" i="1">
+                                <a:latin typeface="Cambria Math" panose="02040503050406030204" pitchFamily="18" charset="0"/>
+                              </a:rPr>
+                            </m:ctrlPr>
+                          </m:sSubPr>
+                          <m:e>
+                            <m:r>
+                              <a:rPr lang="en-US" altLang="ko-KR" sz="2000" i="1">
+                                <a:latin typeface="Cambria Math" panose="02040503050406030204" pitchFamily="18" charset="0"/>
+                              </a:rPr>
+                              <m:t>𝑆</m:t>
+                            </m:r>
+                          </m:e>
+                          <m:sub>
+                            <m:r>
+                              <a:rPr lang="en-US" altLang="ko-KR" sz="2000" i="1">
+                                <a:latin typeface="Cambria Math" panose="02040503050406030204" pitchFamily="18" charset="0"/>
+                              </a:rPr>
+                              <m:t>𝑡</m:t>
+                            </m:r>
+                          </m:sub>
+                        </m:sSub>
+                        <m:r>
+                          <a:rPr lang="en-US" altLang="ko-KR" sz="2000" i="1">
+                            <a:latin typeface="Cambria Math" panose="02040503050406030204" pitchFamily="18" charset="0"/>
+                          </a:rPr>
+                          <m:t>,</m:t>
+                        </m:r>
+                        <m:sSub>
+                          <m:sSubPr>
+                            <m:ctrlPr>
+                              <a:rPr lang="en-US" altLang="ko-KR" sz="2000" i="1">
+                                <a:latin typeface="Cambria Math" panose="02040503050406030204" pitchFamily="18" charset="0"/>
+                              </a:rPr>
+                            </m:ctrlPr>
+                          </m:sSubPr>
+                          <m:e>
+                            <m:r>
+                              <a:rPr lang="en-US" altLang="ko-KR" sz="2000" i="1">
+                                <a:latin typeface="Cambria Math" panose="02040503050406030204" pitchFamily="18" charset="0"/>
+                              </a:rPr>
+                              <m:t>𝐴</m:t>
+                            </m:r>
+                          </m:e>
+                          <m:sub>
+                            <m:r>
+                              <a:rPr lang="en-US" altLang="ko-KR" sz="2000" i="1">
+                                <a:latin typeface="Cambria Math" panose="02040503050406030204" pitchFamily="18" charset="0"/>
+                              </a:rPr>
+                              <m:t>𝑡</m:t>
+                            </m:r>
+                          </m:sub>
+                        </m:sSub>
+                      </m:e>
+                    </m:d>
+                    <m:r>
+                      <a:rPr lang="en-US" altLang="ko-KR" sz="2000" i="1">
+                        <a:latin typeface="Cambria Math" panose="02040503050406030204" pitchFamily="18" charset="0"/>
+                      </a:rPr>
+                      <m:t>𝜋</m:t>
+                    </m:r>
+                    <m:d>
+                      <m:dPr>
+                        <m:ctrlPr>
+                          <a:rPr lang="en-US" altLang="ko-KR" sz="2000" i="1">
+                            <a:latin typeface="Cambria Math" panose="02040503050406030204" pitchFamily="18" charset="0"/>
+                          </a:rPr>
+                        </m:ctrlPr>
+                      </m:dPr>
+                      <m:e>
+                        <m:sSub>
+                          <m:sSubPr>
+                            <m:ctrlPr>
+                              <a:rPr lang="en-US" altLang="ko-KR" sz="2000" i="1">
+                                <a:latin typeface="Cambria Math" panose="02040503050406030204" pitchFamily="18" charset="0"/>
+                              </a:rPr>
+                            </m:ctrlPr>
+                          </m:sSubPr>
+                          <m:e>
+                            <m:r>
+                              <a:rPr lang="en-US" altLang="ko-KR" sz="2000" i="1">
+                                <a:latin typeface="Cambria Math" panose="02040503050406030204" pitchFamily="18" charset="0"/>
+                              </a:rPr>
+                              <m:t>𝐴</m:t>
+                            </m:r>
+                          </m:e>
+                          <m:sub>
+                            <m:r>
+                              <a:rPr lang="en-US" altLang="ko-KR" sz="2000" i="1">
+                                <a:latin typeface="Cambria Math" panose="02040503050406030204" pitchFamily="18" charset="0"/>
+                              </a:rPr>
+                              <m:t>𝑡</m:t>
+                            </m:r>
+                            <m:r>
+                              <a:rPr lang="en-US" altLang="ko-KR" sz="2000" i="1">
+                                <a:latin typeface="Cambria Math" panose="02040503050406030204" pitchFamily="18" charset="0"/>
+                              </a:rPr>
+                              <m:t>+1</m:t>
+                            </m:r>
+                          </m:sub>
+                        </m:sSub>
+                      </m:e>
+                      <m:e>
+                        <m:sSub>
+                          <m:sSubPr>
+                            <m:ctrlPr>
+                              <a:rPr lang="en-US" altLang="ko-KR" sz="2000" i="1">
+                                <a:latin typeface="Cambria Math" panose="02040503050406030204" pitchFamily="18" charset="0"/>
+                              </a:rPr>
+                            </m:ctrlPr>
+                          </m:sSubPr>
+                          <m:e>
+                            <m:r>
+                              <a:rPr lang="en-US" altLang="ko-KR" sz="2000" i="1">
+                                <a:latin typeface="Cambria Math" panose="02040503050406030204" pitchFamily="18" charset="0"/>
+                              </a:rPr>
+                              <m:t>𝑆</m:t>
+                            </m:r>
+                          </m:e>
+                          <m:sub>
+                            <m:r>
+                              <a:rPr lang="en-US" altLang="ko-KR" sz="2000" i="1">
+                                <a:latin typeface="Cambria Math" panose="02040503050406030204" pitchFamily="18" charset="0"/>
+                              </a:rPr>
+                              <m:t>𝑡</m:t>
+                            </m:r>
+                            <m:r>
+                              <a:rPr lang="en-US" altLang="ko-KR" sz="2000" i="1">
+                                <a:latin typeface="Cambria Math" panose="02040503050406030204" pitchFamily="18" charset="0"/>
+                              </a:rPr>
+                              <m:t>+1</m:t>
+                            </m:r>
+                          </m:sub>
+                        </m:sSub>
+                      </m:e>
+                    </m:d>
+                    <m:r>
+                      <a:rPr lang="en-US" altLang="ko-KR" sz="2000" i="1">
+                        <a:latin typeface="Cambria Math" panose="02040503050406030204" pitchFamily="18" charset="0"/>
+                      </a:rPr>
+                      <m:t>⋯</m:t>
+                    </m:r>
+                    <m:r>
+                      <a:rPr lang="en-US" altLang="ko-KR" sz="2000" i="1">
+                        <a:latin typeface="Cambria Math" panose="02040503050406030204" pitchFamily="18" charset="0"/>
+                      </a:rPr>
+                      <m:t>𝑝</m:t>
+                    </m:r>
+                    <m:d>
+                      <m:dPr>
+                        <m:ctrlPr>
+                          <a:rPr lang="en-US" altLang="ko-KR" sz="2000" i="1">
+                            <a:latin typeface="Cambria Math" panose="02040503050406030204" pitchFamily="18" charset="0"/>
+                          </a:rPr>
+                        </m:ctrlPr>
+                      </m:dPr>
+                      <m:e>
+                        <m:sSub>
+                          <m:sSubPr>
+                            <m:ctrlPr>
+                              <a:rPr lang="en-US" altLang="ko-KR" sz="2000" i="1">
+                                <a:latin typeface="Cambria Math" panose="02040503050406030204" pitchFamily="18" charset="0"/>
+                              </a:rPr>
+                            </m:ctrlPr>
+                          </m:sSubPr>
+                          <m:e>
+                            <m:r>
+                              <a:rPr lang="en-US" altLang="ko-KR" sz="2000" i="1">
+                                <a:latin typeface="Cambria Math" panose="02040503050406030204" pitchFamily="18" charset="0"/>
+                              </a:rPr>
+                              <m:t>𝑆</m:t>
+                            </m:r>
+                          </m:e>
+                          <m:sub>
+                            <m:r>
+                              <a:rPr lang="en-US" altLang="ko-KR" sz="2000" i="1">
+                                <a:latin typeface="Cambria Math" panose="02040503050406030204" pitchFamily="18" charset="0"/>
+                              </a:rPr>
+                              <m:t>𝑇</m:t>
+                            </m:r>
+                          </m:sub>
+                        </m:sSub>
+                      </m:e>
+                      <m:e>
+                        <m:sSub>
+                          <m:sSubPr>
+                            <m:ctrlPr>
+                              <a:rPr lang="en-US" altLang="ko-KR" sz="2000" i="1">
+                                <a:latin typeface="Cambria Math" panose="02040503050406030204" pitchFamily="18" charset="0"/>
+                              </a:rPr>
+                            </m:ctrlPr>
+                          </m:sSubPr>
+                          <m:e>
+                            <m:r>
+                              <a:rPr lang="en-US" altLang="ko-KR" sz="2000" i="1">
+                                <a:latin typeface="Cambria Math" panose="02040503050406030204" pitchFamily="18" charset="0"/>
+                              </a:rPr>
+                              <m:t>𝑆</m:t>
+                            </m:r>
+                          </m:e>
+                          <m:sub>
+                            <m:r>
+                              <a:rPr lang="en-US" altLang="ko-KR" sz="2000" i="1">
+                                <a:latin typeface="Cambria Math" panose="02040503050406030204" pitchFamily="18" charset="0"/>
+                              </a:rPr>
+                              <m:t>𝑇</m:t>
+                            </m:r>
+                            <m:r>
+                              <a:rPr lang="en-US" altLang="ko-KR" sz="2000" i="1">
+                                <a:latin typeface="Cambria Math" panose="02040503050406030204" pitchFamily="18" charset="0"/>
+                              </a:rPr>
+                              <m:t>−1</m:t>
+                            </m:r>
+                          </m:sub>
+                        </m:sSub>
+                        <m:r>
+                          <a:rPr lang="en-US" altLang="ko-KR" sz="2000" i="1">
+                            <a:latin typeface="Cambria Math" panose="02040503050406030204" pitchFamily="18" charset="0"/>
+                          </a:rPr>
+                          <m:t>,</m:t>
+                        </m:r>
+                        <m:sSub>
+                          <m:sSubPr>
+                            <m:ctrlPr>
+                              <a:rPr lang="en-US" altLang="ko-KR" sz="2000" i="1">
+                                <a:latin typeface="Cambria Math" panose="02040503050406030204" pitchFamily="18" charset="0"/>
+                              </a:rPr>
+                            </m:ctrlPr>
+                          </m:sSubPr>
+                          <m:e>
+                            <m:r>
+                              <a:rPr lang="en-US" altLang="ko-KR" sz="2000" i="1">
+                                <a:latin typeface="Cambria Math" panose="02040503050406030204" pitchFamily="18" charset="0"/>
+                              </a:rPr>
+                              <m:t>𝐴</m:t>
+                            </m:r>
+                          </m:e>
+                          <m:sub>
+                            <m:r>
+                              <a:rPr lang="en-US" altLang="ko-KR" sz="2000" i="1">
+                                <a:latin typeface="Cambria Math" panose="02040503050406030204" pitchFamily="18" charset="0"/>
+                              </a:rPr>
+                              <m:t>𝑇</m:t>
+                            </m:r>
+                            <m:r>
+                              <a:rPr lang="en-US" altLang="ko-KR" sz="2000" i="1">
+                                <a:latin typeface="Cambria Math" panose="02040503050406030204" pitchFamily="18" charset="0"/>
+                              </a:rPr>
+                              <m:t>−1</m:t>
+                            </m:r>
+                          </m:sub>
+                        </m:sSub>
+                      </m:e>
+                    </m:d>
+                  </m:oMath>
+                </a14:m>
+                <a:br>
+                  <a:rPr lang="en-US" altLang="ko-KR" sz="2000" i="1" dirty="0">
+                    <a:latin typeface="Cambria Math" panose="02040503050406030204" pitchFamily="18" charset="0"/>
+                  </a:rPr>
+                </a:br>
+                <a14:m>
+                  <m:oMath xmlns:m="http://schemas.openxmlformats.org/officeDocument/2006/math">
+                    <m:r>
+                      <a:rPr lang="en-US" altLang="ko-KR" sz="2000">
+                        <a:latin typeface="Cambria Math" panose="02040503050406030204" pitchFamily="18" charset="0"/>
+                      </a:rPr>
+                      <m:t>                                                </m:t>
+                    </m:r>
+                    <m:r>
+                      <a:rPr lang="en-US" altLang="ko-KR" sz="2000" b="0" i="0" smtClean="0">
+                        <a:latin typeface="Cambria Math" panose="02040503050406030204" pitchFamily="18" charset="0"/>
+                      </a:rPr>
+                      <m:t>  </m:t>
+                    </m:r>
+                    <m:r>
+                      <a:rPr lang="en-US" altLang="ko-KR" sz="2000">
+                        <a:latin typeface="Cambria Math" panose="02040503050406030204" pitchFamily="18" charset="0"/>
+                      </a:rPr>
+                      <m:t>  </m:t>
+                    </m:r>
+                    <m:r>
+                      <a:rPr lang="en-US" altLang="ko-KR" sz="2000" i="1">
+                        <a:latin typeface="Cambria Math" panose="02040503050406030204" pitchFamily="18" charset="0"/>
+                      </a:rPr>
+                      <m:t>=</m:t>
+                    </m:r>
+                    <m:nary>
+                      <m:naryPr>
+                        <m:chr m:val="∏"/>
+                        <m:ctrlPr>
+                          <a:rPr lang="en-US" altLang="ko-KR" sz="2000" i="1">
+                            <a:latin typeface="Cambria Math" panose="02040503050406030204" pitchFamily="18" charset="0"/>
+                          </a:rPr>
+                        </m:ctrlPr>
+                      </m:naryPr>
+                      <m:sub>
+                        <m:r>
+                          <a:rPr lang="en-US" altLang="ko-KR" sz="2000" i="1">
+                            <a:latin typeface="Cambria Math" panose="02040503050406030204" pitchFamily="18" charset="0"/>
+                          </a:rPr>
+                          <m:t>𝑘</m:t>
+                        </m:r>
+                        <m:r>
+                          <a:rPr lang="en-US" altLang="ko-KR" sz="2000" i="1">
+                            <a:latin typeface="Cambria Math" panose="02040503050406030204" pitchFamily="18" charset="0"/>
+                          </a:rPr>
+                          <m:t>=</m:t>
+                        </m:r>
+                        <m:r>
+                          <a:rPr lang="en-US" altLang="ko-KR" sz="2000" i="1">
+                            <a:latin typeface="Cambria Math" panose="02040503050406030204" pitchFamily="18" charset="0"/>
+                          </a:rPr>
+                          <m:t>𝑡</m:t>
+                        </m:r>
+                      </m:sub>
+                      <m:sup>
+                        <m:r>
+                          <a:rPr lang="en-US" altLang="ko-KR" sz="2000" i="1">
+                            <a:latin typeface="Cambria Math" panose="02040503050406030204" pitchFamily="18" charset="0"/>
+                          </a:rPr>
+                          <m:t>𝑇</m:t>
+                        </m:r>
+                        <m:r>
+                          <a:rPr lang="en-US" altLang="ko-KR" sz="2000" i="1">
+                            <a:latin typeface="Cambria Math" panose="02040503050406030204" pitchFamily="18" charset="0"/>
+                          </a:rPr>
+                          <m:t>−1</m:t>
+                        </m:r>
+                      </m:sup>
+                      <m:e>
+                        <m:r>
+                          <a:rPr lang="en-US" altLang="ko-KR" sz="2000" i="1">
+                            <a:latin typeface="Cambria Math" panose="02040503050406030204" pitchFamily="18" charset="0"/>
+                          </a:rPr>
+                          <m:t>𝜋</m:t>
+                        </m:r>
+                        <m:d>
+                          <m:dPr>
+                            <m:ctrlPr>
+                              <a:rPr lang="en-US" altLang="ko-KR" sz="2000" i="1">
+                                <a:latin typeface="Cambria Math" panose="02040503050406030204" pitchFamily="18" charset="0"/>
+                              </a:rPr>
+                            </m:ctrlPr>
+                          </m:dPr>
+                          <m:e>
+                            <m:sSub>
+                              <m:sSubPr>
+                                <m:ctrlPr>
+                                  <a:rPr lang="en-US" altLang="ko-KR" sz="2000" i="1">
+                                    <a:latin typeface="Cambria Math" panose="02040503050406030204" pitchFamily="18" charset="0"/>
+                                  </a:rPr>
+                                </m:ctrlPr>
+                              </m:sSubPr>
+                              <m:e>
+                                <m:r>
+                                  <a:rPr lang="en-US" altLang="ko-KR" sz="2000" i="1">
+                                    <a:latin typeface="Cambria Math" panose="02040503050406030204" pitchFamily="18" charset="0"/>
+                                  </a:rPr>
+                                  <m:t>𝐴</m:t>
+                                </m:r>
+                              </m:e>
+                              <m:sub>
+                                <m:r>
+                                  <a:rPr lang="en-US" altLang="ko-KR" sz="2000" i="1">
+                                    <a:latin typeface="Cambria Math" panose="02040503050406030204" pitchFamily="18" charset="0"/>
+                                  </a:rPr>
+                                  <m:t>𝑘</m:t>
+                                </m:r>
+                              </m:sub>
+                            </m:sSub>
+                          </m:e>
+                          <m:e>
+                            <m:sSub>
+                              <m:sSubPr>
+                                <m:ctrlPr>
+                                  <a:rPr lang="en-US" altLang="ko-KR" sz="2000" i="1">
+                                    <a:latin typeface="Cambria Math" panose="02040503050406030204" pitchFamily="18" charset="0"/>
+                                  </a:rPr>
+                                </m:ctrlPr>
+                              </m:sSubPr>
+                              <m:e>
+                                <m:r>
+                                  <a:rPr lang="en-US" altLang="ko-KR" sz="2000" i="1">
+                                    <a:latin typeface="Cambria Math" panose="02040503050406030204" pitchFamily="18" charset="0"/>
+                                  </a:rPr>
+                                  <m:t>𝑆</m:t>
+                                </m:r>
+                              </m:e>
+                              <m:sub>
+                                <m:r>
+                                  <a:rPr lang="en-US" altLang="ko-KR" sz="2000" i="1">
+                                    <a:latin typeface="Cambria Math" panose="02040503050406030204" pitchFamily="18" charset="0"/>
+                                  </a:rPr>
+                                  <m:t>𝑘</m:t>
+                                </m:r>
+                              </m:sub>
+                            </m:sSub>
+                          </m:e>
+                        </m:d>
+                        <m:r>
+                          <a:rPr lang="en-US" altLang="ko-KR" sz="2000" i="1">
+                            <a:latin typeface="Cambria Math" panose="02040503050406030204" pitchFamily="18" charset="0"/>
+                          </a:rPr>
+                          <m:t>𝑝</m:t>
+                        </m:r>
+                        <m:r>
+                          <a:rPr lang="en-US" altLang="ko-KR" sz="2000" i="1">
+                            <a:latin typeface="Cambria Math" panose="02040503050406030204" pitchFamily="18" charset="0"/>
+                          </a:rPr>
+                          <m:t>(</m:t>
+                        </m:r>
+                        <m:sSub>
+                          <m:sSubPr>
+                            <m:ctrlPr>
+                              <a:rPr lang="en-US" altLang="ko-KR" sz="2000" i="1">
+                                <a:latin typeface="Cambria Math" panose="02040503050406030204" pitchFamily="18" charset="0"/>
+                              </a:rPr>
+                            </m:ctrlPr>
+                          </m:sSubPr>
+                          <m:e>
+                            <m:r>
+                              <a:rPr lang="en-US" altLang="ko-KR" sz="2000" i="1">
+                                <a:latin typeface="Cambria Math" panose="02040503050406030204" pitchFamily="18" charset="0"/>
+                              </a:rPr>
+                              <m:t>𝑆</m:t>
+                            </m:r>
+                          </m:e>
+                          <m:sub>
+                            <m:r>
+                              <a:rPr lang="en-US" altLang="ko-KR" sz="2000" i="1">
+                                <a:latin typeface="Cambria Math" panose="02040503050406030204" pitchFamily="18" charset="0"/>
+                              </a:rPr>
+                              <m:t>𝑘</m:t>
+                            </m:r>
+                            <m:r>
+                              <a:rPr lang="en-US" altLang="ko-KR" sz="2000" i="1">
+                                <a:latin typeface="Cambria Math" panose="02040503050406030204" pitchFamily="18" charset="0"/>
+                              </a:rPr>
+                              <m:t>+1</m:t>
+                            </m:r>
+                          </m:sub>
+                        </m:sSub>
+                        <m:r>
+                          <a:rPr lang="en-US" altLang="ko-KR" sz="2000" i="1">
+                            <a:latin typeface="Cambria Math" panose="02040503050406030204" pitchFamily="18" charset="0"/>
+                          </a:rPr>
+                          <m:t>|</m:t>
+                        </m:r>
+                        <m:sSub>
+                          <m:sSubPr>
+                            <m:ctrlPr>
+                              <a:rPr lang="en-US" altLang="ko-KR" sz="2000" i="1">
+                                <a:latin typeface="Cambria Math" panose="02040503050406030204" pitchFamily="18" charset="0"/>
+                              </a:rPr>
+                            </m:ctrlPr>
+                          </m:sSubPr>
+                          <m:e>
+                            <m:r>
+                              <a:rPr lang="en-US" altLang="ko-KR" sz="2000" i="1">
+                                <a:latin typeface="Cambria Math" panose="02040503050406030204" pitchFamily="18" charset="0"/>
+                              </a:rPr>
+                              <m:t>𝑆</m:t>
+                            </m:r>
+                          </m:e>
+                          <m:sub>
+                            <m:r>
+                              <a:rPr lang="en-US" altLang="ko-KR" sz="2000" i="1">
+                                <a:latin typeface="Cambria Math" panose="02040503050406030204" pitchFamily="18" charset="0"/>
+                              </a:rPr>
+                              <m:t>𝑘</m:t>
+                            </m:r>
+                          </m:sub>
+                        </m:sSub>
+                        <m:r>
+                          <a:rPr lang="en-US" altLang="ko-KR" sz="2000" i="1">
+                            <a:latin typeface="Cambria Math" panose="02040503050406030204" pitchFamily="18" charset="0"/>
+                          </a:rPr>
+                          <m:t>,</m:t>
+                        </m:r>
+                        <m:sSub>
+                          <m:sSubPr>
+                            <m:ctrlPr>
+                              <a:rPr lang="en-US" altLang="ko-KR" sz="2000" i="1">
+                                <a:latin typeface="Cambria Math" panose="02040503050406030204" pitchFamily="18" charset="0"/>
+                              </a:rPr>
+                            </m:ctrlPr>
+                          </m:sSubPr>
+                          <m:e>
+                            <m:r>
+                              <a:rPr lang="en-US" altLang="ko-KR" sz="2000" i="1">
+                                <a:latin typeface="Cambria Math" panose="02040503050406030204" pitchFamily="18" charset="0"/>
+                              </a:rPr>
+                              <m:t>𝐴</m:t>
+                            </m:r>
+                          </m:e>
+                          <m:sub>
+                            <m:r>
+                              <a:rPr lang="en-US" altLang="ko-KR" sz="2000" i="1">
+                                <a:latin typeface="Cambria Math" panose="02040503050406030204" pitchFamily="18" charset="0"/>
+                              </a:rPr>
+                              <m:t>𝑘</m:t>
+                            </m:r>
+                          </m:sub>
+                        </m:sSub>
+                        <m:r>
+                          <a:rPr lang="en-US" altLang="ko-KR" sz="2000" i="1">
+                            <a:latin typeface="Cambria Math" panose="02040503050406030204" pitchFamily="18" charset="0"/>
+                          </a:rPr>
+                          <m:t>)</m:t>
+                        </m:r>
+                      </m:e>
+                    </m:nary>
+                  </m:oMath>
+                </a14:m>
+                <a:endParaRPr lang="en-US" altLang="ko-KR" sz="2000" dirty="0"/>
+              </a:p>
+              <a:p>
+                <a:pPr>
+                  <a:lnSpc>
+                    <a:spcPct val="100000"/>
+                  </a:lnSpc>
+                </a:pPr>
+                <a:r>
+                  <a:rPr lang="en-US" altLang="ko-KR" sz="2000" dirty="0"/>
+                  <a:t>Importance-sampling ratio</a:t>
+                </a:r>
+                <a:br>
+                  <a:rPr lang="en-US" altLang="ko-KR" sz="2000" i="1" dirty="0">
+                    <a:latin typeface="Cambria Math" panose="02040503050406030204" pitchFamily="18" charset="0"/>
+                  </a:rPr>
+                </a:br>
+                <a14:m>
+                  <m:oMath xmlns:m="http://schemas.openxmlformats.org/officeDocument/2006/math">
+                    <m:sSub>
+                      <m:sSubPr>
+                        <m:ctrlPr>
+                          <a:rPr lang="en-US" altLang="ko-KR" sz="2000" i="1" smtClean="0">
+                            <a:latin typeface="Cambria Math" panose="02040503050406030204" pitchFamily="18" charset="0"/>
+                          </a:rPr>
+                        </m:ctrlPr>
+                      </m:sSubPr>
+                      <m:e>
+                        <m:r>
+                          <a:rPr lang="en-US" altLang="ko-KR" sz="2000" i="1" smtClean="0">
+                            <a:latin typeface="Cambria Math" panose="02040503050406030204" pitchFamily="18" charset="0"/>
+                          </a:rPr>
+                          <m:t>𝜌</m:t>
+                        </m:r>
+                      </m:e>
+                      <m:sub>
+                        <m:r>
+                          <a:rPr lang="en-US" altLang="ko-KR" sz="2000" i="1">
+                            <a:latin typeface="Cambria Math" panose="02040503050406030204" pitchFamily="18" charset="0"/>
+                          </a:rPr>
+                          <m:t>𝑡</m:t>
+                        </m:r>
+                        <m:r>
+                          <a:rPr lang="en-US" altLang="ko-KR" sz="2000" i="1">
+                            <a:latin typeface="Cambria Math" panose="02040503050406030204" pitchFamily="18" charset="0"/>
+                          </a:rPr>
+                          <m:t>:</m:t>
+                        </m:r>
+                        <m:r>
+                          <a:rPr lang="en-US" altLang="ko-KR" sz="2000" i="1">
+                            <a:latin typeface="Cambria Math" panose="02040503050406030204" pitchFamily="18" charset="0"/>
+                          </a:rPr>
+                          <m:t>𝑇</m:t>
+                        </m:r>
+                        <m:r>
+                          <a:rPr lang="en-US" altLang="ko-KR" sz="2000" i="1">
+                            <a:latin typeface="Cambria Math" panose="02040503050406030204" pitchFamily="18" charset="0"/>
+                          </a:rPr>
+                          <m:t>−1</m:t>
+                        </m:r>
+                      </m:sub>
+                    </m:sSub>
+                    <m:r>
+                      <a:rPr lang="en-US" altLang="ko-KR" sz="2000" i="1">
+                        <a:latin typeface="Cambria Math" panose="02040503050406030204" pitchFamily="18" charset="0"/>
+                      </a:rPr>
+                      <m:t>=</m:t>
+                    </m:r>
+                    <m:f>
+                      <m:fPr>
+                        <m:ctrlPr>
+                          <a:rPr lang="en-US" altLang="ko-KR" sz="2000" i="1">
+                            <a:latin typeface="Cambria Math" panose="02040503050406030204" pitchFamily="18" charset="0"/>
+                          </a:rPr>
+                        </m:ctrlPr>
+                      </m:fPr>
+                      <m:num>
+                        <m:nary>
+                          <m:naryPr>
+                            <m:chr m:val="∏"/>
+                            <m:ctrlPr>
+                              <a:rPr lang="en-US" altLang="ko-KR" sz="2000" i="1">
+                                <a:latin typeface="Cambria Math" panose="02040503050406030204" pitchFamily="18" charset="0"/>
+                              </a:rPr>
+                            </m:ctrlPr>
+                          </m:naryPr>
+                          <m:sub>
+                            <m:r>
+                              <a:rPr lang="en-US" altLang="ko-KR" sz="2000" i="1">
+                                <a:latin typeface="Cambria Math" panose="02040503050406030204" pitchFamily="18" charset="0"/>
+                              </a:rPr>
+                              <m:t>𝑘</m:t>
+                            </m:r>
+                            <m:r>
+                              <a:rPr lang="en-US" altLang="ko-KR" sz="2000" i="1">
+                                <a:latin typeface="Cambria Math" panose="02040503050406030204" pitchFamily="18" charset="0"/>
+                              </a:rPr>
+                              <m:t>=</m:t>
+                            </m:r>
+                            <m:r>
+                              <a:rPr lang="en-US" altLang="ko-KR" sz="2000" i="1">
+                                <a:latin typeface="Cambria Math" panose="02040503050406030204" pitchFamily="18" charset="0"/>
+                              </a:rPr>
+                              <m:t>𝑡</m:t>
+                            </m:r>
+                          </m:sub>
+                          <m:sup>
+                            <m:r>
+                              <a:rPr lang="en-US" altLang="ko-KR" sz="2000" i="1">
+                                <a:latin typeface="Cambria Math" panose="02040503050406030204" pitchFamily="18" charset="0"/>
+                              </a:rPr>
+                              <m:t>𝑇</m:t>
+                            </m:r>
+                            <m:r>
+                              <a:rPr lang="en-US" altLang="ko-KR" sz="2000" i="1">
+                                <a:latin typeface="Cambria Math" panose="02040503050406030204" pitchFamily="18" charset="0"/>
+                              </a:rPr>
+                              <m:t>−1</m:t>
+                            </m:r>
+                          </m:sup>
+                          <m:e>
+                            <m:r>
+                              <a:rPr lang="en-US" altLang="ko-KR" sz="2000" i="1">
+                                <a:latin typeface="Cambria Math" panose="02040503050406030204" pitchFamily="18" charset="0"/>
+                              </a:rPr>
+                              <m:t>𝜋</m:t>
+                            </m:r>
+                            <m:d>
+                              <m:dPr>
+                                <m:ctrlPr>
+                                  <a:rPr lang="en-US" altLang="ko-KR" sz="2000" i="1">
+                                    <a:latin typeface="Cambria Math" panose="02040503050406030204" pitchFamily="18" charset="0"/>
+                                  </a:rPr>
+                                </m:ctrlPr>
+                              </m:dPr>
+                              <m:e>
+                                <m:sSub>
+                                  <m:sSubPr>
+                                    <m:ctrlPr>
+                                      <a:rPr lang="en-US" altLang="ko-KR" sz="2000" i="1">
+                                        <a:latin typeface="Cambria Math" panose="02040503050406030204" pitchFamily="18" charset="0"/>
+                                      </a:rPr>
+                                    </m:ctrlPr>
+                                  </m:sSubPr>
+                                  <m:e>
+                                    <m:r>
+                                      <a:rPr lang="en-US" altLang="ko-KR" sz="2000" i="1">
+                                        <a:latin typeface="Cambria Math" panose="02040503050406030204" pitchFamily="18" charset="0"/>
+                                      </a:rPr>
+                                      <m:t>𝐴</m:t>
+                                    </m:r>
+                                  </m:e>
+                                  <m:sub>
+                                    <m:r>
+                                      <a:rPr lang="en-US" altLang="ko-KR" sz="2000" i="1">
+                                        <a:latin typeface="Cambria Math" panose="02040503050406030204" pitchFamily="18" charset="0"/>
+                                      </a:rPr>
+                                      <m:t>𝑘</m:t>
+                                    </m:r>
+                                  </m:sub>
+                                </m:sSub>
+                              </m:e>
+                              <m:e>
+                                <m:sSub>
+                                  <m:sSubPr>
+                                    <m:ctrlPr>
+                                      <a:rPr lang="en-US" altLang="ko-KR" sz="2000" i="1">
+                                        <a:latin typeface="Cambria Math" panose="02040503050406030204" pitchFamily="18" charset="0"/>
+                                      </a:rPr>
+                                    </m:ctrlPr>
+                                  </m:sSubPr>
+                                  <m:e>
+                                    <m:r>
+                                      <a:rPr lang="en-US" altLang="ko-KR" sz="2000" i="1">
+                                        <a:latin typeface="Cambria Math" panose="02040503050406030204" pitchFamily="18" charset="0"/>
+                                      </a:rPr>
+                                      <m:t>𝑆</m:t>
+                                    </m:r>
+                                  </m:e>
+                                  <m:sub>
+                                    <m:r>
+                                      <a:rPr lang="en-US" altLang="ko-KR" sz="2000" i="1">
+                                        <a:latin typeface="Cambria Math" panose="02040503050406030204" pitchFamily="18" charset="0"/>
+                                      </a:rPr>
+                                      <m:t>𝑘</m:t>
+                                    </m:r>
+                                  </m:sub>
+                                </m:sSub>
+                              </m:e>
+                            </m:d>
+                            <m:r>
+                              <a:rPr lang="en-US" altLang="ko-KR" sz="2000" i="1">
+                                <a:latin typeface="Cambria Math" panose="02040503050406030204" pitchFamily="18" charset="0"/>
+                              </a:rPr>
+                              <m:t>𝑝</m:t>
+                            </m:r>
+                            <m:d>
+                              <m:dPr>
+                                <m:ctrlPr>
+                                  <a:rPr lang="en-US" altLang="ko-KR" sz="2000" i="1">
+                                    <a:latin typeface="Cambria Math" panose="02040503050406030204" pitchFamily="18" charset="0"/>
+                                  </a:rPr>
+                                </m:ctrlPr>
+                              </m:dPr>
+                              <m:e>
+                                <m:sSub>
+                                  <m:sSubPr>
+                                    <m:ctrlPr>
+                                      <a:rPr lang="en-US" altLang="ko-KR" sz="2000" i="1">
+                                        <a:latin typeface="Cambria Math" panose="02040503050406030204" pitchFamily="18" charset="0"/>
+                                      </a:rPr>
+                                    </m:ctrlPr>
+                                  </m:sSubPr>
+                                  <m:e>
+                                    <m:r>
+                                      <a:rPr lang="en-US" altLang="ko-KR" sz="2000" i="1">
+                                        <a:latin typeface="Cambria Math" panose="02040503050406030204" pitchFamily="18" charset="0"/>
+                                      </a:rPr>
+                                      <m:t>𝑆</m:t>
+                                    </m:r>
+                                  </m:e>
+                                  <m:sub>
+                                    <m:r>
+                                      <a:rPr lang="en-US" altLang="ko-KR" sz="2000" i="1">
+                                        <a:latin typeface="Cambria Math" panose="02040503050406030204" pitchFamily="18" charset="0"/>
+                                      </a:rPr>
+                                      <m:t>𝑘</m:t>
+                                    </m:r>
+                                    <m:r>
+                                      <a:rPr lang="en-US" altLang="ko-KR" sz="2000" i="1">
+                                        <a:latin typeface="Cambria Math" panose="02040503050406030204" pitchFamily="18" charset="0"/>
+                                      </a:rPr>
+                                      <m:t>+1</m:t>
+                                    </m:r>
+                                  </m:sub>
+                                </m:sSub>
+                              </m:e>
+                              <m:e>
+                                <m:sSub>
+                                  <m:sSubPr>
+                                    <m:ctrlPr>
+                                      <a:rPr lang="en-US" altLang="ko-KR" sz="2000" i="1">
+                                        <a:latin typeface="Cambria Math" panose="02040503050406030204" pitchFamily="18" charset="0"/>
+                                      </a:rPr>
+                                    </m:ctrlPr>
+                                  </m:sSubPr>
+                                  <m:e>
+                                    <m:r>
+                                      <a:rPr lang="en-US" altLang="ko-KR" sz="2000" i="1">
+                                        <a:latin typeface="Cambria Math" panose="02040503050406030204" pitchFamily="18" charset="0"/>
+                                      </a:rPr>
+                                      <m:t>𝑆</m:t>
+                                    </m:r>
+                                  </m:e>
+                                  <m:sub>
+                                    <m:r>
+                                      <a:rPr lang="en-US" altLang="ko-KR" sz="2000" i="1">
+                                        <a:latin typeface="Cambria Math" panose="02040503050406030204" pitchFamily="18" charset="0"/>
+                                      </a:rPr>
+                                      <m:t>𝑘</m:t>
+                                    </m:r>
+                                  </m:sub>
+                                </m:sSub>
+                                <m:r>
+                                  <a:rPr lang="en-US" altLang="ko-KR" sz="2000" i="1">
+                                    <a:latin typeface="Cambria Math" panose="02040503050406030204" pitchFamily="18" charset="0"/>
+                                  </a:rPr>
+                                  <m:t>,</m:t>
+                                </m:r>
+                                <m:sSub>
+                                  <m:sSubPr>
+                                    <m:ctrlPr>
+                                      <a:rPr lang="en-US" altLang="ko-KR" sz="2000" i="1">
+                                        <a:latin typeface="Cambria Math" panose="02040503050406030204" pitchFamily="18" charset="0"/>
+                                      </a:rPr>
+                                    </m:ctrlPr>
+                                  </m:sSubPr>
+                                  <m:e>
+                                    <m:r>
+                                      <a:rPr lang="en-US" altLang="ko-KR" sz="2000" i="1">
+                                        <a:latin typeface="Cambria Math" panose="02040503050406030204" pitchFamily="18" charset="0"/>
+                                      </a:rPr>
+                                      <m:t>𝐴</m:t>
+                                    </m:r>
+                                  </m:e>
+                                  <m:sub>
+                                    <m:r>
+                                      <a:rPr lang="en-US" altLang="ko-KR" sz="2000" i="1">
+                                        <a:latin typeface="Cambria Math" panose="02040503050406030204" pitchFamily="18" charset="0"/>
+                                      </a:rPr>
+                                      <m:t>𝑘</m:t>
+                                    </m:r>
+                                  </m:sub>
+                                </m:sSub>
+                              </m:e>
+                            </m:d>
+                          </m:e>
+                        </m:nary>
+                      </m:num>
+                      <m:den>
+                        <m:nary>
+                          <m:naryPr>
+                            <m:chr m:val="∏"/>
+                            <m:ctrlPr>
+                              <a:rPr lang="en-US" altLang="ko-KR" sz="2000" i="1">
+                                <a:latin typeface="Cambria Math" panose="02040503050406030204" pitchFamily="18" charset="0"/>
+                              </a:rPr>
+                            </m:ctrlPr>
+                          </m:naryPr>
+                          <m:sub>
+                            <m:r>
+                              <a:rPr lang="en-US" altLang="ko-KR" sz="2000" i="1">
+                                <a:latin typeface="Cambria Math" panose="02040503050406030204" pitchFamily="18" charset="0"/>
+                              </a:rPr>
+                              <m:t>𝑘</m:t>
+                            </m:r>
+                            <m:r>
+                              <a:rPr lang="en-US" altLang="ko-KR" sz="2000" i="1">
+                                <a:latin typeface="Cambria Math" panose="02040503050406030204" pitchFamily="18" charset="0"/>
+                              </a:rPr>
+                              <m:t>=</m:t>
+                            </m:r>
+                            <m:r>
+                              <a:rPr lang="en-US" altLang="ko-KR" sz="2000" i="1">
+                                <a:latin typeface="Cambria Math" panose="02040503050406030204" pitchFamily="18" charset="0"/>
+                              </a:rPr>
+                              <m:t>𝑡</m:t>
+                            </m:r>
+                          </m:sub>
+                          <m:sup>
+                            <m:r>
+                              <a:rPr lang="en-US" altLang="ko-KR" sz="2000" i="1">
+                                <a:latin typeface="Cambria Math" panose="02040503050406030204" pitchFamily="18" charset="0"/>
+                              </a:rPr>
+                              <m:t>𝑇</m:t>
+                            </m:r>
+                            <m:r>
+                              <a:rPr lang="en-US" altLang="ko-KR" sz="2000" i="1">
+                                <a:latin typeface="Cambria Math" panose="02040503050406030204" pitchFamily="18" charset="0"/>
+                              </a:rPr>
+                              <m:t>−1</m:t>
+                            </m:r>
+                          </m:sup>
+                          <m:e>
+                            <m:r>
+                              <a:rPr lang="en-US" altLang="ko-KR" sz="2000" i="1">
+                                <a:latin typeface="Cambria Math" panose="02040503050406030204" pitchFamily="18" charset="0"/>
+                              </a:rPr>
+                              <m:t>𝑏</m:t>
+                            </m:r>
+                            <m:d>
+                              <m:dPr>
+                                <m:ctrlPr>
+                                  <a:rPr lang="en-US" altLang="ko-KR" sz="2000" i="1">
+                                    <a:latin typeface="Cambria Math" panose="02040503050406030204" pitchFamily="18" charset="0"/>
+                                  </a:rPr>
+                                </m:ctrlPr>
+                              </m:dPr>
+                              <m:e>
+                                <m:sSub>
+                                  <m:sSubPr>
+                                    <m:ctrlPr>
+                                      <a:rPr lang="en-US" altLang="ko-KR" sz="2000" i="1">
+                                        <a:latin typeface="Cambria Math" panose="02040503050406030204" pitchFamily="18" charset="0"/>
+                                      </a:rPr>
+                                    </m:ctrlPr>
+                                  </m:sSubPr>
+                                  <m:e>
+                                    <m:r>
+                                      <a:rPr lang="en-US" altLang="ko-KR" sz="2000" i="1">
+                                        <a:latin typeface="Cambria Math" panose="02040503050406030204" pitchFamily="18" charset="0"/>
+                                      </a:rPr>
+                                      <m:t>𝐴</m:t>
+                                    </m:r>
+                                  </m:e>
+                                  <m:sub>
+                                    <m:r>
+                                      <a:rPr lang="en-US" altLang="ko-KR" sz="2000" i="1">
+                                        <a:latin typeface="Cambria Math" panose="02040503050406030204" pitchFamily="18" charset="0"/>
+                                      </a:rPr>
+                                      <m:t>𝑘</m:t>
+                                    </m:r>
+                                  </m:sub>
+                                </m:sSub>
+                              </m:e>
+                              <m:e>
+                                <m:sSub>
+                                  <m:sSubPr>
+                                    <m:ctrlPr>
+                                      <a:rPr lang="en-US" altLang="ko-KR" sz="2000" i="1">
+                                        <a:latin typeface="Cambria Math" panose="02040503050406030204" pitchFamily="18" charset="0"/>
+                                      </a:rPr>
+                                    </m:ctrlPr>
+                                  </m:sSubPr>
+                                  <m:e>
+                                    <m:r>
+                                      <a:rPr lang="en-US" altLang="ko-KR" sz="2000" i="1">
+                                        <a:latin typeface="Cambria Math" panose="02040503050406030204" pitchFamily="18" charset="0"/>
+                                      </a:rPr>
+                                      <m:t>𝑆</m:t>
+                                    </m:r>
+                                  </m:e>
+                                  <m:sub>
+                                    <m:r>
+                                      <a:rPr lang="en-US" altLang="ko-KR" sz="2000" i="1">
+                                        <a:latin typeface="Cambria Math" panose="02040503050406030204" pitchFamily="18" charset="0"/>
+                                      </a:rPr>
+                                      <m:t>𝑘</m:t>
+                                    </m:r>
+                                  </m:sub>
+                                </m:sSub>
+                              </m:e>
+                            </m:d>
+                          </m:e>
+                        </m:nary>
+                        <m:r>
+                          <a:rPr lang="en-US" altLang="ko-KR" sz="2000" i="1">
+                            <a:latin typeface="Cambria Math" panose="02040503050406030204" pitchFamily="18" charset="0"/>
+                          </a:rPr>
+                          <m:t>𝑝</m:t>
+                        </m:r>
+                        <m:d>
+                          <m:dPr>
+                            <m:ctrlPr>
+                              <a:rPr lang="en-US" altLang="ko-KR" sz="2000" i="1">
+                                <a:latin typeface="Cambria Math" panose="02040503050406030204" pitchFamily="18" charset="0"/>
+                              </a:rPr>
+                            </m:ctrlPr>
+                          </m:dPr>
+                          <m:e>
+                            <m:sSub>
+                              <m:sSubPr>
+                                <m:ctrlPr>
+                                  <a:rPr lang="en-US" altLang="ko-KR" sz="2000" i="1">
+                                    <a:latin typeface="Cambria Math" panose="02040503050406030204" pitchFamily="18" charset="0"/>
+                                  </a:rPr>
+                                </m:ctrlPr>
+                              </m:sSubPr>
+                              <m:e>
+                                <m:r>
+                                  <a:rPr lang="en-US" altLang="ko-KR" sz="2000" i="1">
+                                    <a:latin typeface="Cambria Math" panose="02040503050406030204" pitchFamily="18" charset="0"/>
+                                  </a:rPr>
+                                  <m:t>𝑆</m:t>
+                                </m:r>
+                              </m:e>
+                              <m:sub>
+                                <m:r>
+                                  <a:rPr lang="en-US" altLang="ko-KR" sz="2000" i="1">
+                                    <a:latin typeface="Cambria Math" panose="02040503050406030204" pitchFamily="18" charset="0"/>
+                                  </a:rPr>
+                                  <m:t>𝑘</m:t>
+                                </m:r>
+                                <m:r>
+                                  <a:rPr lang="en-US" altLang="ko-KR" sz="2000" i="1">
+                                    <a:latin typeface="Cambria Math" panose="02040503050406030204" pitchFamily="18" charset="0"/>
+                                  </a:rPr>
+                                  <m:t>+1</m:t>
+                                </m:r>
+                              </m:sub>
+                            </m:sSub>
+                          </m:e>
+                          <m:e>
+                            <m:sSub>
+                              <m:sSubPr>
+                                <m:ctrlPr>
+                                  <a:rPr lang="en-US" altLang="ko-KR" sz="2000" i="1">
+                                    <a:latin typeface="Cambria Math" panose="02040503050406030204" pitchFamily="18" charset="0"/>
+                                  </a:rPr>
+                                </m:ctrlPr>
+                              </m:sSubPr>
+                              <m:e>
+                                <m:r>
+                                  <a:rPr lang="en-US" altLang="ko-KR" sz="2000" i="1">
+                                    <a:latin typeface="Cambria Math" panose="02040503050406030204" pitchFamily="18" charset="0"/>
+                                  </a:rPr>
+                                  <m:t>𝑆</m:t>
+                                </m:r>
+                              </m:e>
+                              <m:sub>
+                                <m:r>
+                                  <a:rPr lang="en-US" altLang="ko-KR" sz="2000" i="1">
+                                    <a:latin typeface="Cambria Math" panose="02040503050406030204" pitchFamily="18" charset="0"/>
+                                  </a:rPr>
+                                  <m:t>𝑘</m:t>
+                                </m:r>
+                              </m:sub>
+                            </m:sSub>
+                            <m:r>
+                              <a:rPr lang="en-US" altLang="ko-KR" sz="2000" i="1">
+                                <a:latin typeface="Cambria Math" panose="02040503050406030204" pitchFamily="18" charset="0"/>
+                              </a:rPr>
+                              <m:t>,</m:t>
+                            </m:r>
+                            <m:sSub>
+                              <m:sSubPr>
+                                <m:ctrlPr>
+                                  <a:rPr lang="en-US" altLang="ko-KR" sz="2000" i="1">
+                                    <a:latin typeface="Cambria Math" panose="02040503050406030204" pitchFamily="18" charset="0"/>
+                                  </a:rPr>
+                                </m:ctrlPr>
+                              </m:sSubPr>
+                              <m:e>
+                                <m:r>
+                                  <a:rPr lang="en-US" altLang="ko-KR" sz="2000" i="1">
+                                    <a:latin typeface="Cambria Math" panose="02040503050406030204" pitchFamily="18" charset="0"/>
+                                  </a:rPr>
+                                  <m:t>𝐴</m:t>
+                                </m:r>
+                              </m:e>
+                              <m:sub>
+                                <m:r>
+                                  <a:rPr lang="en-US" altLang="ko-KR" sz="2000" i="1">
+                                    <a:latin typeface="Cambria Math" panose="02040503050406030204" pitchFamily="18" charset="0"/>
+                                  </a:rPr>
+                                  <m:t>𝑘</m:t>
+                                </m:r>
+                              </m:sub>
+                            </m:sSub>
+                          </m:e>
+                        </m:d>
+                      </m:den>
+                    </m:f>
+                    <m:r>
+                      <a:rPr lang="en-US" altLang="ko-KR" sz="2000" i="1">
+                        <a:latin typeface="Cambria Math" panose="02040503050406030204" pitchFamily="18" charset="0"/>
+                      </a:rPr>
+                      <m:t>=</m:t>
+                    </m:r>
+                    <m:nary>
+                      <m:naryPr>
+                        <m:chr m:val="∏"/>
+                        <m:ctrlPr>
+                          <a:rPr lang="en-US" altLang="ko-KR" sz="2000" i="1">
+                            <a:latin typeface="Cambria Math" panose="02040503050406030204" pitchFamily="18" charset="0"/>
+                          </a:rPr>
+                        </m:ctrlPr>
+                      </m:naryPr>
+                      <m:sub>
+                        <m:r>
+                          <a:rPr lang="en-US" altLang="ko-KR" sz="2000" i="1">
+                            <a:latin typeface="Cambria Math" panose="02040503050406030204" pitchFamily="18" charset="0"/>
+                          </a:rPr>
+                          <m:t>𝑘</m:t>
+                        </m:r>
+                        <m:r>
+                          <a:rPr lang="en-US" altLang="ko-KR" sz="2000" i="1">
+                            <a:latin typeface="Cambria Math" panose="02040503050406030204" pitchFamily="18" charset="0"/>
+                          </a:rPr>
+                          <m:t>=</m:t>
+                        </m:r>
+                        <m:r>
+                          <a:rPr lang="en-US" altLang="ko-KR" sz="2000" i="1">
+                            <a:latin typeface="Cambria Math" panose="02040503050406030204" pitchFamily="18" charset="0"/>
+                          </a:rPr>
+                          <m:t>𝑡</m:t>
+                        </m:r>
+                      </m:sub>
+                      <m:sup>
+                        <m:r>
+                          <a:rPr lang="en-US" altLang="ko-KR" sz="2000" i="1">
+                            <a:latin typeface="Cambria Math" panose="02040503050406030204" pitchFamily="18" charset="0"/>
+                          </a:rPr>
+                          <m:t>𝑇</m:t>
+                        </m:r>
+                        <m:r>
+                          <a:rPr lang="en-US" altLang="ko-KR" sz="2000" i="1">
+                            <a:latin typeface="Cambria Math" panose="02040503050406030204" pitchFamily="18" charset="0"/>
+                          </a:rPr>
+                          <m:t>−1</m:t>
+                        </m:r>
+                      </m:sup>
+                      <m:e>
+                        <m:f>
+                          <m:fPr>
+                            <m:ctrlPr>
+                              <a:rPr lang="en-US" altLang="ko-KR" sz="2000" i="1">
+                                <a:latin typeface="Cambria Math" panose="02040503050406030204" pitchFamily="18" charset="0"/>
+                              </a:rPr>
+                            </m:ctrlPr>
+                          </m:fPr>
+                          <m:num>
+                            <m:r>
+                              <a:rPr lang="en-US" altLang="ko-KR" sz="2000" i="1">
+                                <a:latin typeface="Cambria Math" panose="02040503050406030204" pitchFamily="18" charset="0"/>
+                              </a:rPr>
+                              <m:t>𝜋</m:t>
+                            </m:r>
+                            <m:d>
+                              <m:dPr>
+                                <m:ctrlPr>
+                                  <a:rPr lang="en-US" altLang="ko-KR" sz="2000" i="1">
+                                    <a:latin typeface="Cambria Math" panose="02040503050406030204" pitchFamily="18" charset="0"/>
+                                  </a:rPr>
+                                </m:ctrlPr>
+                              </m:dPr>
+                              <m:e>
+                                <m:sSub>
+                                  <m:sSubPr>
+                                    <m:ctrlPr>
+                                      <a:rPr lang="en-US" altLang="ko-KR" sz="2000" i="1">
+                                        <a:latin typeface="Cambria Math" panose="02040503050406030204" pitchFamily="18" charset="0"/>
+                                      </a:rPr>
+                                    </m:ctrlPr>
+                                  </m:sSubPr>
+                                  <m:e>
+                                    <m:r>
+                                      <a:rPr lang="en-US" altLang="ko-KR" sz="2000" i="1">
+                                        <a:latin typeface="Cambria Math" panose="02040503050406030204" pitchFamily="18" charset="0"/>
+                                      </a:rPr>
+                                      <m:t>𝐴</m:t>
+                                    </m:r>
+                                  </m:e>
+                                  <m:sub>
+                                    <m:r>
+                                      <a:rPr lang="en-US" altLang="ko-KR" sz="2000" i="1">
+                                        <a:latin typeface="Cambria Math" panose="02040503050406030204" pitchFamily="18" charset="0"/>
+                                      </a:rPr>
+                                      <m:t>𝑘</m:t>
+                                    </m:r>
+                                  </m:sub>
+                                </m:sSub>
+                              </m:e>
+                              <m:e>
+                                <m:sSub>
+                                  <m:sSubPr>
+                                    <m:ctrlPr>
+                                      <a:rPr lang="en-US" altLang="ko-KR" sz="2000" i="1">
+                                        <a:latin typeface="Cambria Math" panose="02040503050406030204" pitchFamily="18" charset="0"/>
+                                      </a:rPr>
+                                    </m:ctrlPr>
+                                  </m:sSubPr>
+                                  <m:e>
+                                    <m:r>
+                                      <a:rPr lang="en-US" altLang="ko-KR" sz="2000" i="1">
+                                        <a:latin typeface="Cambria Math" panose="02040503050406030204" pitchFamily="18" charset="0"/>
+                                      </a:rPr>
+                                      <m:t>𝑆</m:t>
+                                    </m:r>
+                                  </m:e>
+                                  <m:sub>
+                                    <m:r>
+                                      <a:rPr lang="en-US" altLang="ko-KR" sz="2000" i="1">
+                                        <a:latin typeface="Cambria Math" panose="02040503050406030204" pitchFamily="18" charset="0"/>
+                                      </a:rPr>
+                                      <m:t>𝑘</m:t>
+                                    </m:r>
+                                  </m:sub>
+                                </m:sSub>
+                              </m:e>
+                            </m:d>
+                          </m:num>
+                          <m:den>
+                            <m:r>
+                              <a:rPr lang="en-US" altLang="ko-KR" sz="2000" i="1">
+                                <a:latin typeface="Cambria Math" panose="02040503050406030204" pitchFamily="18" charset="0"/>
+                              </a:rPr>
+                              <m:t>𝑏</m:t>
+                            </m:r>
+                            <m:d>
+                              <m:dPr>
+                                <m:ctrlPr>
+                                  <a:rPr lang="en-US" altLang="ko-KR" sz="2000" i="1">
+                                    <a:latin typeface="Cambria Math" panose="02040503050406030204" pitchFamily="18" charset="0"/>
+                                  </a:rPr>
+                                </m:ctrlPr>
+                              </m:dPr>
+                              <m:e>
+                                <m:sSub>
+                                  <m:sSubPr>
+                                    <m:ctrlPr>
+                                      <a:rPr lang="en-US" altLang="ko-KR" sz="2000" i="1">
+                                        <a:latin typeface="Cambria Math" panose="02040503050406030204" pitchFamily="18" charset="0"/>
+                                      </a:rPr>
+                                    </m:ctrlPr>
+                                  </m:sSubPr>
+                                  <m:e>
+                                    <m:r>
+                                      <a:rPr lang="en-US" altLang="ko-KR" sz="2000" i="1">
+                                        <a:latin typeface="Cambria Math" panose="02040503050406030204" pitchFamily="18" charset="0"/>
+                                      </a:rPr>
+                                      <m:t>𝐴</m:t>
+                                    </m:r>
+                                  </m:e>
+                                  <m:sub>
+                                    <m:r>
+                                      <a:rPr lang="en-US" altLang="ko-KR" sz="2000" i="1">
+                                        <a:latin typeface="Cambria Math" panose="02040503050406030204" pitchFamily="18" charset="0"/>
+                                      </a:rPr>
+                                      <m:t>𝑘</m:t>
+                                    </m:r>
+                                  </m:sub>
+                                </m:sSub>
+                              </m:e>
+                              <m:e>
+                                <m:sSub>
+                                  <m:sSubPr>
+                                    <m:ctrlPr>
+                                      <a:rPr lang="en-US" altLang="ko-KR" sz="2000" i="1">
+                                        <a:latin typeface="Cambria Math" panose="02040503050406030204" pitchFamily="18" charset="0"/>
+                                      </a:rPr>
+                                    </m:ctrlPr>
+                                  </m:sSubPr>
+                                  <m:e>
+                                    <m:r>
+                                      <a:rPr lang="en-US" altLang="ko-KR" sz="2000" i="1">
+                                        <a:latin typeface="Cambria Math" panose="02040503050406030204" pitchFamily="18" charset="0"/>
+                                      </a:rPr>
+                                      <m:t>𝑆</m:t>
+                                    </m:r>
+                                  </m:e>
+                                  <m:sub>
+                                    <m:r>
+                                      <a:rPr lang="en-US" altLang="ko-KR" sz="2000" i="1">
+                                        <a:latin typeface="Cambria Math" panose="02040503050406030204" pitchFamily="18" charset="0"/>
+                                      </a:rPr>
+                                      <m:t>𝑘</m:t>
+                                    </m:r>
+                                  </m:sub>
+                                </m:sSub>
+                              </m:e>
+                            </m:d>
+                          </m:den>
+                        </m:f>
+                      </m:e>
+                    </m:nary>
+                  </m:oMath>
+                </a14:m>
+                <a:endParaRPr lang="en-US" altLang="ko-KR" sz="2000" dirty="0"/>
+              </a:p>
+              <a:p>
+                <a:pPr>
+                  <a:lnSpc>
+                    <a:spcPct val="100000"/>
+                  </a:lnSpc>
+                </a:pPr>
+                <a:r>
+                  <a:rPr lang="en-US" altLang="ko-KR" sz="2000" dirty="0"/>
+                  <a:t>Value of a state</a:t>
+                </a:r>
+                <a:br>
+                  <a:rPr lang="en-US" altLang="ko-KR" sz="2000" dirty="0"/>
+                </a:br>
+                <a14:m>
+                  <m:oMath xmlns:m="http://schemas.openxmlformats.org/officeDocument/2006/math">
+                    <m:sSub>
+                      <m:sSubPr>
+                        <m:ctrlPr>
+                          <a:rPr lang="en-US" altLang="ko-KR" sz="2000" i="1">
+                            <a:latin typeface="Cambria Math" panose="02040503050406030204" pitchFamily="18" charset="0"/>
+                          </a:rPr>
+                        </m:ctrlPr>
+                      </m:sSubPr>
+                      <m:e>
+                        <m:r>
+                          <a:rPr lang="en-US" altLang="ko-KR" sz="2000" i="1">
+                            <a:latin typeface="Cambria Math" panose="02040503050406030204" pitchFamily="18" charset="0"/>
+                          </a:rPr>
+                          <m:t>𝑣</m:t>
+                        </m:r>
+                      </m:e>
+                      <m:sub>
+                        <m:r>
+                          <a:rPr lang="en-US" altLang="ko-KR" sz="2000" i="1">
+                            <a:latin typeface="Cambria Math" panose="02040503050406030204" pitchFamily="18" charset="0"/>
+                          </a:rPr>
+                          <m:t>𝜋</m:t>
+                        </m:r>
+                      </m:sub>
+                    </m:sSub>
+                    <m:d>
+                      <m:dPr>
+                        <m:ctrlPr>
+                          <a:rPr lang="en-US" altLang="ko-KR" sz="2000" i="1">
+                            <a:latin typeface="Cambria Math" panose="02040503050406030204" pitchFamily="18" charset="0"/>
+                          </a:rPr>
+                        </m:ctrlPr>
+                      </m:dPr>
+                      <m:e>
+                        <m:r>
+                          <a:rPr lang="en-US" altLang="ko-KR" sz="2000" i="1">
+                            <a:latin typeface="Cambria Math" panose="02040503050406030204" pitchFamily="18" charset="0"/>
+                          </a:rPr>
+                          <m:t>𝑠</m:t>
+                        </m:r>
+                      </m:e>
+                    </m:d>
+                    <m:r>
+                      <a:rPr lang="en-US" altLang="ko-KR" sz="2000" i="1">
+                        <a:latin typeface="Cambria Math" panose="02040503050406030204" pitchFamily="18" charset="0"/>
+                      </a:rPr>
+                      <m:t>=</m:t>
+                    </m:r>
+                    <m:sSub>
+                      <m:sSubPr>
+                        <m:ctrlPr>
+                          <a:rPr lang="en-US" altLang="ko-KR" sz="2000" i="1" dirty="0">
+                            <a:latin typeface="Cambria Math" panose="02040503050406030204" pitchFamily="18" charset="0"/>
+                          </a:rPr>
+                        </m:ctrlPr>
+                      </m:sSubPr>
+                      <m:e>
+                        <m:r>
+                          <a:rPr lang="en-US" altLang="ko-KR" sz="2000" i="1" dirty="0">
+                            <a:latin typeface="Cambria Math" panose="02040503050406030204" pitchFamily="18" charset="0"/>
+                          </a:rPr>
+                          <m:t>𝔼</m:t>
+                        </m:r>
+                      </m:e>
+                      <m:sub>
+                        <m:r>
+                          <a:rPr lang="en-US" altLang="ko-KR" sz="2000" i="1" dirty="0">
+                            <a:latin typeface="Cambria Math" panose="02040503050406030204" pitchFamily="18" charset="0"/>
+                          </a:rPr>
+                          <m:t>𝜋</m:t>
+                        </m:r>
+                      </m:sub>
+                    </m:sSub>
+                    <m:d>
+                      <m:dPr>
+                        <m:begChr m:val="["/>
+                        <m:endChr m:val="]"/>
+                        <m:ctrlPr>
+                          <a:rPr lang="en-US" altLang="ko-KR" sz="2000" i="1" dirty="0">
+                            <a:latin typeface="Cambria Math" panose="02040503050406030204" pitchFamily="18" charset="0"/>
+                          </a:rPr>
+                        </m:ctrlPr>
+                      </m:dPr>
+                      <m:e>
+                        <m:sSub>
+                          <m:sSubPr>
+                            <m:ctrlPr>
+                              <a:rPr lang="en-US" altLang="ko-KR" sz="2000" i="1" dirty="0">
+                                <a:latin typeface="Cambria Math" panose="02040503050406030204" pitchFamily="18" charset="0"/>
+                              </a:rPr>
+                            </m:ctrlPr>
+                          </m:sSubPr>
+                          <m:e>
+                            <m:r>
+                              <a:rPr lang="en-US" altLang="ko-KR" sz="2000" i="1" dirty="0">
+                                <a:latin typeface="Cambria Math" panose="02040503050406030204" pitchFamily="18" charset="0"/>
+                              </a:rPr>
+                              <m:t>𝐺</m:t>
+                            </m:r>
+                          </m:e>
+                          <m:sub>
+                            <m:r>
+                              <a:rPr lang="en-US" altLang="ko-KR" sz="2000" i="1" dirty="0">
+                                <a:latin typeface="Cambria Math" panose="02040503050406030204" pitchFamily="18" charset="0"/>
+                              </a:rPr>
+                              <m:t>𝑡</m:t>
+                            </m:r>
+                          </m:sub>
+                        </m:sSub>
+                      </m:e>
+                      <m:e>
+                        <m:sSub>
+                          <m:sSubPr>
+                            <m:ctrlPr>
+                              <a:rPr lang="en-US" altLang="ko-KR" sz="2000" i="1" dirty="0">
+                                <a:latin typeface="Cambria Math" panose="02040503050406030204" pitchFamily="18" charset="0"/>
+                              </a:rPr>
+                            </m:ctrlPr>
+                          </m:sSubPr>
+                          <m:e>
+                            <m:r>
+                              <a:rPr lang="en-US" altLang="ko-KR" sz="2000" i="1" dirty="0">
+                                <a:latin typeface="Cambria Math" panose="02040503050406030204" pitchFamily="18" charset="0"/>
+                              </a:rPr>
+                              <m:t>𝑆</m:t>
+                            </m:r>
+                          </m:e>
+                          <m:sub>
+                            <m:r>
+                              <a:rPr lang="en-US" altLang="ko-KR" sz="2000" i="1" dirty="0">
+                                <a:latin typeface="Cambria Math" panose="02040503050406030204" pitchFamily="18" charset="0"/>
+                              </a:rPr>
+                              <m:t>𝑡</m:t>
+                            </m:r>
+                          </m:sub>
+                        </m:sSub>
+                        <m:r>
+                          <a:rPr lang="en-US" altLang="ko-KR" sz="2000" i="1" dirty="0">
+                            <a:latin typeface="Cambria Math" panose="02040503050406030204" pitchFamily="18" charset="0"/>
+                          </a:rPr>
+                          <m:t>=</m:t>
+                        </m:r>
+                        <m:r>
+                          <a:rPr lang="en-US" altLang="ko-KR" sz="2000" i="1" dirty="0">
+                            <a:latin typeface="Cambria Math" panose="02040503050406030204" pitchFamily="18" charset="0"/>
+                          </a:rPr>
+                          <m:t>𝑠</m:t>
+                        </m:r>
+                      </m:e>
+                    </m:d>
+                    <m:r>
+                      <a:rPr lang="en-US" altLang="ko-KR" sz="2000" i="1" dirty="0">
+                        <a:latin typeface="Cambria Math" panose="02040503050406030204" pitchFamily="18" charset="0"/>
+                      </a:rPr>
+                      <m:t>=</m:t>
+                    </m:r>
+                    <m:sSub>
+                      <m:sSubPr>
+                        <m:ctrlPr>
+                          <a:rPr lang="en-US" altLang="ko-KR" sz="2000" i="1">
+                            <a:latin typeface="Cambria Math" panose="02040503050406030204" pitchFamily="18" charset="0"/>
+                          </a:rPr>
+                        </m:ctrlPr>
+                      </m:sSubPr>
+                      <m:e>
+                        <m:r>
+                          <a:rPr lang="en-US" altLang="ko-KR" sz="2000" i="1">
+                            <a:latin typeface="Cambria Math" panose="02040503050406030204" pitchFamily="18" charset="0"/>
+                          </a:rPr>
+                          <m:t>𝔼</m:t>
+                        </m:r>
+                      </m:e>
+                      <m:sub>
+                        <m:r>
+                          <a:rPr lang="en-US" altLang="ko-KR" sz="2000" i="1">
+                            <a:latin typeface="Cambria Math" panose="02040503050406030204" pitchFamily="18" charset="0"/>
+                          </a:rPr>
+                          <m:t>𝑏</m:t>
+                        </m:r>
+                      </m:sub>
+                    </m:sSub>
+                    <m:d>
+                      <m:dPr>
+                        <m:begChr m:val="["/>
+                        <m:endChr m:val="]"/>
+                        <m:ctrlPr>
+                          <a:rPr lang="en-US" altLang="ko-KR" sz="2000" i="1">
+                            <a:latin typeface="Cambria Math" panose="02040503050406030204" pitchFamily="18" charset="0"/>
+                          </a:rPr>
+                        </m:ctrlPr>
+                      </m:dPr>
+                      <m:e>
+                        <m:sSub>
+                          <m:sSubPr>
+                            <m:ctrlPr>
+                              <a:rPr lang="en-US" altLang="ko-KR" sz="2000" i="1">
+                                <a:latin typeface="Cambria Math" panose="02040503050406030204" pitchFamily="18" charset="0"/>
+                              </a:rPr>
+                            </m:ctrlPr>
+                          </m:sSubPr>
+                          <m:e>
+                            <m:r>
+                              <a:rPr lang="en-US" altLang="ko-KR" sz="2000" i="1">
+                                <a:latin typeface="Cambria Math" panose="02040503050406030204" pitchFamily="18" charset="0"/>
+                              </a:rPr>
+                              <m:t>𝜌</m:t>
+                            </m:r>
+                          </m:e>
+                          <m:sub>
+                            <m:r>
+                              <a:rPr lang="en-US" altLang="ko-KR" sz="2000" i="1">
+                                <a:latin typeface="Cambria Math" panose="02040503050406030204" pitchFamily="18" charset="0"/>
+                              </a:rPr>
+                              <m:t>𝑡</m:t>
+                            </m:r>
+                            <m:r>
+                              <a:rPr lang="en-US" altLang="ko-KR" sz="2000" i="1">
+                                <a:latin typeface="Cambria Math" panose="02040503050406030204" pitchFamily="18" charset="0"/>
+                              </a:rPr>
+                              <m:t>:</m:t>
+                            </m:r>
+                            <m:r>
+                              <a:rPr lang="en-US" altLang="ko-KR" sz="2000" i="1">
+                                <a:latin typeface="Cambria Math" panose="02040503050406030204" pitchFamily="18" charset="0"/>
+                              </a:rPr>
+                              <m:t>𝑇</m:t>
+                            </m:r>
+                            <m:r>
+                              <a:rPr lang="en-US" altLang="ko-KR" sz="2000" i="1">
+                                <a:latin typeface="Cambria Math" panose="02040503050406030204" pitchFamily="18" charset="0"/>
+                              </a:rPr>
+                              <m:t>−1</m:t>
+                            </m:r>
+                          </m:sub>
+                        </m:sSub>
+                        <m:sSub>
+                          <m:sSubPr>
+                            <m:ctrlPr>
+                              <a:rPr lang="en-US" altLang="ko-KR" sz="2000" i="1">
+                                <a:latin typeface="Cambria Math" panose="02040503050406030204" pitchFamily="18" charset="0"/>
+                              </a:rPr>
+                            </m:ctrlPr>
+                          </m:sSubPr>
+                          <m:e>
+                            <m:r>
+                              <a:rPr lang="en-US" altLang="ko-KR" sz="2000" i="1">
+                                <a:latin typeface="Cambria Math" panose="02040503050406030204" pitchFamily="18" charset="0"/>
+                              </a:rPr>
+                              <m:t>𝐺</m:t>
+                            </m:r>
+                          </m:e>
+                          <m:sub>
+                            <m:r>
+                              <a:rPr lang="en-US" altLang="ko-KR" sz="2000" i="1">
+                                <a:latin typeface="Cambria Math" panose="02040503050406030204" pitchFamily="18" charset="0"/>
+                              </a:rPr>
+                              <m:t>𝑡</m:t>
+                            </m:r>
+                          </m:sub>
+                        </m:sSub>
+                      </m:e>
+                      <m:e>
+                        <m:sSub>
+                          <m:sSubPr>
+                            <m:ctrlPr>
+                              <a:rPr lang="en-US" altLang="ko-KR" sz="2000" i="1">
+                                <a:latin typeface="Cambria Math" panose="02040503050406030204" pitchFamily="18" charset="0"/>
+                              </a:rPr>
+                            </m:ctrlPr>
+                          </m:sSubPr>
+                          <m:e>
+                            <m:r>
+                              <a:rPr lang="en-US" altLang="ko-KR" sz="2000" i="1">
+                                <a:latin typeface="Cambria Math" panose="02040503050406030204" pitchFamily="18" charset="0"/>
+                              </a:rPr>
+                              <m:t>𝑆</m:t>
+                            </m:r>
+                          </m:e>
+                          <m:sub>
+                            <m:r>
+                              <a:rPr lang="en-US" altLang="ko-KR" sz="2000" i="1">
+                                <a:latin typeface="Cambria Math" panose="02040503050406030204" pitchFamily="18" charset="0"/>
+                              </a:rPr>
+                              <m:t>𝑡</m:t>
+                            </m:r>
+                          </m:sub>
+                        </m:sSub>
+                        <m:r>
+                          <a:rPr lang="en-US" altLang="ko-KR" sz="2000" i="1">
+                            <a:latin typeface="Cambria Math" panose="02040503050406030204" pitchFamily="18" charset="0"/>
+                          </a:rPr>
+                          <m:t>=</m:t>
+                        </m:r>
+                        <m:r>
+                          <a:rPr lang="en-US" altLang="ko-KR" sz="2000" i="1">
+                            <a:latin typeface="Cambria Math" panose="02040503050406030204" pitchFamily="18" charset="0"/>
+                          </a:rPr>
+                          <m:t>𝑠</m:t>
+                        </m:r>
+                      </m:e>
+                    </m:d>
+                    <m:r>
+                      <a:rPr lang="en-US" altLang="ko-KR" sz="2000" i="1">
+                        <a:latin typeface="Cambria Math" panose="02040503050406030204" pitchFamily="18" charset="0"/>
+                      </a:rPr>
+                      <m:t>=</m:t>
+                    </m:r>
+                    <m:r>
+                      <a:rPr lang="en-US" altLang="ko-KR" sz="2000" i="1">
+                        <a:latin typeface="Cambria Math" panose="02040503050406030204" pitchFamily="18" charset="0"/>
+                      </a:rPr>
+                      <m:t>𝔼</m:t>
+                    </m:r>
+                    <m:d>
+                      <m:dPr>
+                        <m:begChr m:val="["/>
+                        <m:endChr m:val="]"/>
+                        <m:ctrlPr>
+                          <a:rPr lang="en-US" altLang="ko-KR" sz="2000" i="1">
+                            <a:latin typeface="Cambria Math" panose="02040503050406030204" pitchFamily="18" charset="0"/>
+                          </a:rPr>
+                        </m:ctrlPr>
+                      </m:dPr>
+                      <m:e>
+                        <m:sSub>
+                          <m:sSubPr>
+                            <m:ctrlPr>
+                              <a:rPr lang="en-US" altLang="ko-KR" sz="2000" i="1">
+                                <a:latin typeface="Cambria Math" panose="02040503050406030204" pitchFamily="18" charset="0"/>
+                              </a:rPr>
+                            </m:ctrlPr>
+                          </m:sSubPr>
+                          <m:e>
+                            <m:r>
+                              <a:rPr lang="en-US" altLang="ko-KR" sz="2000" i="1">
+                                <a:latin typeface="Cambria Math" panose="02040503050406030204" pitchFamily="18" charset="0"/>
+                              </a:rPr>
+                              <m:t>𝜌</m:t>
+                            </m:r>
+                          </m:e>
+                          <m:sub>
+                            <m:r>
+                              <a:rPr lang="en-US" altLang="ko-KR" sz="2000" i="1">
+                                <a:latin typeface="Cambria Math" panose="02040503050406030204" pitchFamily="18" charset="0"/>
+                              </a:rPr>
+                              <m:t>𝑡</m:t>
+                            </m:r>
+                            <m:r>
+                              <a:rPr lang="en-US" altLang="ko-KR" sz="2000" i="1">
+                                <a:latin typeface="Cambria Math" panose="02040503050406030204" pitchFamily="18" charset="0"/>
+                              </a:rPr>
+                              <m:t>:</m:t>
+                            </m:r>
+                            <m:r>
+                              <a:rPr lang="en-US" altLang="ko-KR" sz="2000" i="1">
+                                <a:latin typeface="Cambria Math" panose="02040503050406030204" pitchFamily="18" charset="0"/>
+                              </a:rPr>
+                              <m:t>𝑇</m:t>
+                            </m:r>
+                            <m:r>
+                              <a:rPr lang="en-US" altLang="ko-KR" sz="2000" i="1">
+                                <a:latin typeface="Cambria Math" panose="02040503050406030204" pitchFamily="18" charset="0"/>
+                              </a:rPr>
+                              <m:t>−1</m:t>
+                            </m:r>
+                          </m:sub>
+                        </m:sSub>
+                        <m:sSub>
+                          <m:sSubPr>
+                            <m:ctrlPr>
+                              <a:rPr lang="en-US" altLang="ko-KR" sz="2000" i="1">
+                                <a:latin typeface="Cambria Math" panose="02040503050406030204" pitchFamily="18" charset="0"/>
+                              </a:rPr>
+                            </m:ctrlPr>
+                          </m:sSubPr>
+                          <m:e>
+                            <m:r>
+                              <a:rPr lang="en-US" altLang="ko-KR" sz="2000" i="1">
+                                <a:latin typeface="Cambria Math" panose="02040503050406030204" pitchFamily="18" charset="0"/>
+                              </a:rPr>
+                              <m:t>𝐺</m:t>
+                            </m:r>
+                          </m:e>
+                          <m:sub>
+                            <m:r>
+                              <a:rPr lang="en-US" altLang="ko-KR" sz="2000" i="1">
+                                <a:latin typeface="Cambria Math" panose="02040503050406030204" pitchFamily="18" charset="0"/>
+                              </a:rPr>
+                              <m:t>𝑡</m:t>
+                            </m:r>
+                          </m:sub>
+                        </m:sSub>
+                      </m:e>
+                      <m:e>
+                        <m:sSub>
+                          <m:sSubPr>
+                            <m:ctrlPr>
+                              <a:rPr lang="en-US" altLang="ko-KR" sz="2000" i="1">
+                                <a:latin typeface="Cambria Math" panose="02040503050406030204" pitchFamily="18" charset="0"/>
+                              </a:rPr>
+                            </m:ctrlPr>
+                          </m:sSubPr>
+                          <m:e>
+                            <m:r>
+                              <a:rPr lang="en-US" altLang="ko-KR" sz="2000" i="1">
+                                <a:latin typeface="Cambria Math" panose="02040503050406030204" pitchFamily="18" charset="0"/>
+                              </a:rPr>
+                              <m:t>𝑆</m:t>
+                            </m:r>
+                          </m:e>
+                          <m:sub>
+                            <m:r>
+                              <a:rPr lang="en-US" altLang="ko-KR" sz="2000" i="1">
+                                <a:latin typeface="Cambria Math" panose="02040503050406030204" pitchFamily="18" charset="0"/>
+                              </a:rPr>
+                              <m:t>𝑡</m:t>
+                            </m:r>
+                          </m:sub>
+                        </m:sSub>
+                        <m:r>
+                          <a:rPr lang="en-US" altLang="ko-KR" sz="2000" i="1">
+                            <a:latin typeface="Cambria Math" panose="02040503050406030204" pitchFamily="18" charset="0"/>
+                          </a:rPr>
+                          <m:t>=</m:t>
+                        </m:r>
+                        <m:r>
+                          <a:rPr lang="en-US" altLang="ko-KR" sz="2000" i="1">
+                            <a:latin typeface="Cambria Math" panose="02040503050406030204" pitchFamily="18" charset="0"/>
+                          </a:rPr>
+                          <m:t>𝑠</m:t>
+                        </m:r>
+                      </m:e>
+                    </m:d>
+                  </m:oMath>
+                </a14:m>
+                <a:br>
+                  <a:rPr lang="en-US" altLang="ko-KR" sz="2000" dirty="0"/>
+                </a:br>
+                <a:r>
+                  <a:rPr lang="en-US" altLang="ko-KR" sz="2000" dirty="0"/>
+                  <a:t>    where </a:t>
+                </a:r>
+                <a14:m>
+                  <m:oMath xmlns:m="http://schemas.openxmlformats.org/officeDocument/2006/math">
+                    <m:r>
+                      <a:rPr lang="en-US" altLang="ko-KR" sz="2000" i="1">
+                        <a:latin typeface="Cambria Math" panose="02040503050406030204" pitchFamily="18" charset="0"/>
+                      </a:rPr>
+                      <m:t>𝔼</m:t>
+                    </m:r>
+                  </m:oMath>
+                </a14:m>
+                <a:r>
+                  <a:rPr lang="ko-KR" altLang="en-US" sz="2000" dirty="0"/>
+                  <a:t> </a:t>
+                </a:r>
+                <a:r>
+                  <a:rPr lang="en-US" altLang="ko-KR" sz="2000" dirty="0"/>
+                  <a:t>is the empirical mean</a:t>
+                </a:r>
+              </a:p>
+              <a:p>
+                <a:pPr>
+                  <a:lnSpc>
+                    <a:spcPct val="100000"/>
+                  </a:lnSpc>
+                </a:pPr>
+                <a:r>
+                  <a:rPr lang="en-US" altLang="ko-KR" sz="2000" dirty="0"/>
+                  <a:t>Estimation</a:t>
+                </a:r>
+                <a:br>
+                  <a:rPr lang="en-US" altLang="ko-KR" sz="2000" dirty="0">
+                    <a:solidFill>
+                      <a:srgbClr val="FF0000"/>
+                    </a:solidFill>
+                  </a:rPr>
+                </a:br>
+                <a14:m>
+                  <m:oMath xmlns:m="http://schemas.openxmlformats.org/officeDocument/2006/math">
+                    <m:r>
+                      <a:rPr lang="en-US" altLang="ko-KR" sz="2000" b="0" i="1" smtClean="0">
+                        <a:latin typeface="Cambria Math" panose="02040503050406030204" pitchFamily="18" charset="0"/>
+                      </a:rPr>
+                      <m:t>𝑉</m:t>
+                    </m:r>
+                    <m:d>
+                      <m:dPr>
+                        <m:ctrlPr>
+                          <a:rPr lang="en-US" altLang="ko-KR" sz="2000" b="0" i="1" smtClean="0">
+                            <a:latin typeface="Cambria Math" panose="02040503050406030204" pitchFamily="18" charset="0"/>
+                          </a:rPr>
+                        </m:ctrlPr>
+                      </m:dPr>
+                      <m:e>
+                        <m:r>
+                          <a:rPr lang="en-US" altLang="ko-KR" sz="2000" b="0" i="1" smtClean="0">
+                            <a:latin typeface="Cambria Math" panose="02040503050406030204" pitchFamily="18" charset="0"/>
+                          </a:rPr>
+                          <m:t>𝑠</m:t>
+                        </m:r>
+                      </m:e>
+                    </m:d>
+                    <m:r>
+                      <a:rPr lang="en-US" altLang="ko-KR" sz="2000" b="0" i="1" smtClean="0">
+                        <a:latin typeface="Cambria Math" panose="02040503050406030204" pitchFamily="18" charset="0"/>
+                      </a:rPr>
+                      <m:t>=</m:t>
+                    </m:r>
+                    <m:f>
+                      <m:fPr>
+                        <m:ctrlPr>
+                          <a:rPr lang="en-US" altLang="ko-KR" sz="2000" b="0" i="1" smtClean="0">
+                            <a:latin typeface="Cambria Math" panose="02040503050406030204" pitchFamily="18" charset="0"/>
+                          </a:rPr>
+                        </m:ctrlPr>
+                      </m:fPr>
+                      <m:num>
+                        <m:r>
+                          <a:rPr lang="en-US" altLang="ko-KR" sz="2000" b="0" i="1" smtClean="0">
+                            <a:latin typeface="Cambria Math" panose="02040503050406030204" pitchFamily="18" charset="0"/>
+                          </a:rPr>
+                          <m:t>1</m:t>
+                        </m:r>
+                      </m:num>
+                      <m:den>
+                        <m:d>
+                          <m:dPr>
+                            <m:begChr m:val="|"/>
+                            <m:endChr m:val="|"/>
+                            <m:ctrlPr>
+                              <a:rPr lang="en-US" altLang="ko-KR" sz="2000" b="0" i="1" smtClean="0">
+                                <a:latin typeface="Cambria Math" panose="02040503050406030204" pitchFamily="18" charset="0"/>
+                              </a:rPr>
+                            </m:ctrlPr>
+                          </m:dPr>
+                          <m:e>
+                            <m:r>
+                              <a:rPr lang="en-US" altLang="ko-KR" sz="2000" b="0" i="1" smtClean="0">
+                                <a:latin typeface="Cambria Math" panose="02040503050406030204" pitchFamily="18" charset="0"/>
+                              </a:rPr>
+                              <m:t>𝒯</m:t>
+                            </m:r>
+                            <m:d>
+                              <m:dPr>
+                                <m:ctrlPr>
+                                  <a:rPr lang="en-US" altLang="ko-KR" sz="2000" b="0" i="1" smtClean="0">
+                                    <a:latin typeface="Cambria Math" panose="02040503050406030204" pitchFamily="18" charset="0"/>
+                                  </a:rPr>
+                                </m:ctrlPr>
+                              </m:dPr>
+                              <m:e>
+                                <m:r>
+                                  <a:rPr lang="en-US" altLang="ko-KR" sz="2000" b="0" i="1" smtClean="0">
+                                    <a:latin typeface="Cambria Math" panose="02040503050406030204" pitchFamily="18" charset="0"/>
+                                  </a:rPr>
+                                  <m:t>𝑠</m:t>
+                                </m:r>
+                              </m:e>
+                            </m:d>
+                          </m:e>
+                        </m:d>
+                      </m:den>
+                    </m:f>
+                    <m:nary>
+                      <m:naryPr>
+                        <m:chr m:val="∑"/>
+                        <m:supHide m:val="on"/>
+                        <m:ctrlPr>
+                          <a:rPr lang="en-US" altLang="ko-KR" sz="2000" b="0" i="1" smtClean="0">
+                            <a:latin typeface="Cambria Math" panose="02040503050406030204" pitchFamily="18" charset="0"/>
+                          </a:rPr>
+                        </m:ctrlPr>
+                      </m:naryPr>
+                      <m:sub>
+                        <m:r>
+                          <a:rPr lang="en-US" altLang="ko-KR" sz="2000" b="0" i="1" smtClean="0">
+                            <a:latin typeface="Cambria Math" panose="02040503050406030204" pitchFamily="18" charset="0"/>
+                          </a:rPr>
+                          <m:t>𝑡</m:t>
+                        </m:r>
+                        <m:r>
+                          <a:rPr lang="en-US" altLang="ko-KR" sz="2000" b="0" i="1" smtClean="0">
+                            <a:latin typeface="Cambria Math" panose="02040503050406030204" pitchFamily="18" charset="0"/>
+                          </a:rPr>
+                          <m:t>∈</m:t>
+                        </m:r>
+                        <m:r>
+                          <a:rPr lang="en-US" altLang="ko-KR" sz="2000" b="0" i="1" smtClean="0">
+                            <a:latin typeface="Cambria Math" panose="02040503050406030204" pitchFamily="18" charset="0"/>
+                          </a:rPr>
+                          <m:t>𝒯</m:t>
+                        </m:r>
+                        <m:d>
+                          <m:dPr>
+                            <m:ctrlPr>
+                              <a:rPr lang="en-US" altLang="ko-KR" sz="2000" b="0" i="1" smtClean="0">
+                                <a:latin typeface="Cambria Math" panose="02040503050406030204" pitchFamily="18" charset="0"/>
+                              </a:rPr>
+                            </m:ctrlPr>
+                          </m:dPr>
+                          <m:e>
+                            <m:r>
+                              <a:rPr lang="en-US" altLang="ko-KR" sz="2000" b="0" i="1" smtClean="0">
+                                <a:latin typeface="Cambria Math" panose="02040503050406030204" pitchFamily="18" charset="0"/>
+                              </a:rPr>
+                              <m:t>𝑠</m:t>
+                            </m:r>
+                          </m:e>
+                        </m:d>
+                      </m:sub>
+                      <m:sup/>
+                      <m:e>
+                        <m:sSub>
+                          <m:sSubPr>
+                            <m:ctrlPr>
+                              <a:rPr lang="en-US" altLang="ko-KR" sz="2000" i="1">
+                                <a:latin typeface="Cambria Math" panose="02040503050406030204" pitchFamily="18" charset="0"/>
+                              </a:rPr>
+                            </m:ctrlPr>
+                          </m:sSubPr>
+                          <m:e>
+                            <m:r>
+                              <a:rPr lang="en-US" altLang="ko-KR" sz="2000" i="1">
+                                <a:latin typeface="Cambria Math" panose="02040503050406030204" pitchFamily="18" charset="0"/>
+                              </a:rPr>
+                              <m:t>𝜌</m:t>
+                            </m:r>
+                          </m:e>
+                          <m:sub>
+                            <m:r>
+                              <a:rPr lang="en-US" altLang="ko-KR" sz="2000" i="1">
+                                <a:latin typeface="Cambria Math" panose="02040503050406030204" pitchFamily="18" charset="0"/>
+                              </a:rPr>
+                              <m:t>𝑡</m:t>
+                            </m:r>
+                            <m:r>
+                              <a:rPr lang="en-US" altLang="ko-KR" sz="2000" i="1">
+                                <a:latin typeface="Cambria Math" panose="02040503050406030204" pitchFamily="18" charset="0"/>
+                              </a:rPr>
+                              <m:t>:</m:t>
+                            </m:r>
+                            <m:r>
+                              <a:rPr lang="en-US" altLang="ko-KR" sz="2000" i="1">
+                                <a:latin typeface="Cambria Math" panose="02040503050406030204" pitchFamily="18" charset="0"/>
+                              </a:rPr>
+                              <m:t>𝑇</m:t>
+                            </m:r>
+                            <m:r>
+                              <a:rPr lang="en-US" altLang="ko-KR" sz="2000" b="0" i="1" smtClean="0">
+                                <a:latin typeface="Cambria Math" panose="02040503050406030204" pitchFamily="18" charset="0"/>
+                              </a:rPr>
+                              <m:t>(</m:t>
+                            </m:r>
+                            <m:r>
+                              <a:rPr lang="en-US" altLang="ko-KR" sz="2000" b="0" i="1" smtClean="0">
+                                <a:latin typeface="Cambria Math" panose="02040503050406030204" pitchFamily="18" charset="0"/>
+                              </a:rPr>
+                              <m:t>𝑡</m:t>
+                            </m:r>
+                            <m:r>
+                              <a:rPr lang="en-US" altLang="ko-KR" sz="2000" b="0" i="1" smtClean="0">
+                                <a:latin typeface="Cambria Math" panose="02040503050406030204" pitchFamily="18" charset="0"/>
+                              </a:rPr>
+                              <m:t>)−1</m:t>
+                            </m:r>
+                          </m:sub>
+                        </m:sSub>
+                        <m:sSub>
+                          <m:sSubPr>
+                            <m:ctrlPr>
+                              <a:rPr lang="en-US" altLang="ko-KR" sz="2000" i="1">
+                                <a:latin typeface="Cambria Math" panose="02040503050406030204" pitchFamily="18" charset="0"/>
+                              </a:rPr>
+                            </m:ctrlPr>
+                          </m:sSubPr>
+                          <m:e>
+                            <m:r>
+                              <a:rPr lang="en-US" altLang="ko-KR" sz="2000" i="1">
+                                <a:latin typeface="Cambria Math" panose="02040503050406030204" pitchFamily="18" charset="0"/>
+                              </a:rPr>
+                              <m:t>𝐺</m:t>
+                            </m:r>
+                          </m:e>
+                          <m:sub>
+                            <m:r>
+                              <a:rPr lang="en-US" altLang="ko-KR" sz="2000" i="1">
+                                <a:latin typeface="Cambria Math" panose="02040503050406030204" pitchFamily="18" charset="0"/>
+                              </a:rPr>
+                              <m:t>𝑡</m:t>
+                            </m:r>
+                          </m:sub>
+                        </m:sSub>
+                      </m:e>
+                    </m:nary>
+                  </m:oMath>
+                </a14:m>
+                <a:br>
+                  <a:rPr lang="en-US" altLang="ko-KR" sz="2000" dirty="0"/>
+                </a:br>
+                <a:r>
+                  <a:rPr lang="en-US" altLang="ko-KR" sz="2000" dirty="0"/>
+                  <a:t>where </a:t>
+                </a:r>
+                <a14:m>
+                  <m:oMath xmlns:m="http://schemas.openxmlformats.org/officeDocument/2006/math">
+                    <m:r>
+                      <a:rPr lang="en-US" altLang="ko-KR" sz="2000" i="1" dirty="0">
+                        <a:latin typeface="Cambria Math" panose="02040503050406030204" pitchFamily="18" charset="0"/>
+                      </a:rPr>
+                      <m:t>𝒯</m:t>
+                    </m:r>
+                    <m:r>
+                      <a:rPr lang="en-US" altLang="ko-KR" sz="2000" i="1" dirty="0">
+                        <a:latin typeface="Cambria Math" panose="02040503050406030204" pitchFamily="18" charset="0"/>
+                      </a:rPr>
+                      <m:t>(</m:t>
+                    </m:r>
+                    <m:r>
+                      <a:rPr lang="en-US" altLang="ko-KR" sz="2000" i="1" dirty="0">
+                        <a:latin typeface="Cambria Math" panose="02040503050406030204" pitchFamily="18" charset="0"/>
+                      </a:rPr>
+                      <m:t>𝑠</m:t>
+                    </m:r>
+                    <m:r>
+                      <a:rPr lang="en-US" altLang="ko-KR" sz="2000" i="1" dirty="0">
+                        <a:latin typeface="Cambria Math" panose="02040503050406030204" pitchFamily="18" charset="0"/>
+                      </a:rPr>
+                      <m:t>)</m:t>
+                    </m:r>
+                  </m:oMath>
+                </a14:m>
+                <a:r>
+                  <a:rPr lang="ko-KR" altLang="en-US" sz="2000" dirty="0"/>
+                  <a:t> </a:t>
+                </a:r>
+                <a:r>
+                  <a:rPr lang="en-US" altLang="ko-KR" sz="2000" dirty="0"/>
+                  <a:t>denotes the set of all time steps in which state s is visited</a:t>
+                </a:r>
+                <a:endParaRPr lang="ko-KR" altLang="en-US" sz="2000" dirty="0"/>
+              </a:p>
+            </p:txBody>
+          </p:sp>
+        </mc:Choice>
+        <mc:Fallback>
+          <p:sp>
+            <p:nvSpPr>
+              <p:cNvPr id="3" name="내용 개체 틀 2">
+                <a:extLst>
+                  <a:ext uri="{FF2B5EF4-FFF2-40B4-BE49-F238E27FC236}">
+                    <a16:creationId xmlns:a16="http://schemas.microsoft.com/office/drawing/2014/main" id="{B4C8ECBD-DE3D-4FEB-A8DA-672715ED9E19}"/>
+                  </a:ext>
+                </a:extLst>
+              </p:cNvPr>
+              <p:cNvSpPr>
+                <a:spLocks noGrp="1" noRot="1" noChangeAspect="1" noMove="1" noResize="1" noEditPoints="1" noAdjustHandles="1" noChangeArrowheads="1" noChangeShapeType="1" noTextEdit="1"/>
+              </p:cNvSpPr>
+              <p:nvPr>
+                <p:ph idx="1"/>
+              </p:nvPr>
+            </p:nvSpPr>
+            <p:spPr>
+              <a:xfrm>
+                <a:off x="838200" y="365125"/>
+                <a:ext cx="10515600" cy="5811838"/>
+              </a:xfrm>
+              <a:blipFill>
+                <a:blip r:embed="rId2"/>
+                <a:stretch>
+                  <a:fillRect l="-522" t="-630"/>
+                </a:stretch>
+              </a:blipFill>
+            </p:spPr>
+            <p:txBody>
+              <a:bodyPr/>
+              <a:lstStyle/>
+              <a:p>
+                <a:r>
+                  <a:rPr lang="ko-KR" altLang="en-US">
+                    <a:noFill/>
+                  </a:rPr>
+                  <a:t> </a:t>
+                </a:r>
+              </a:p>
+            </p:txBody>
+          </p:sp>
+        </mc:Fallback>
+      </mc:AlternateContent>
+      <p:sp>
+        <p:nvSpPr>
+          <p:cNvPr id="4" name="슬라이드 번호 개체 틀 3">
+            <a:extLst>
+              <a:ext uri="{FF2B5EF4-FFF2-40B4-BE49-F238E27FC236}">
+                <a16:creationId xmlns:a16="http://schemas.microsoft.com/office/drawing/2014/main" id="{B6377AF9-4DDC-4AA8-B204-28B2BA46EBAF}"/>
+              </a:ext>
+            </a:extLst>
+          </p:cNvPr>
+          <p:cNvSpPr>
+            <a:spLocks noGrp="1"/>
+          </p:cNvSpPr>
+          <p:nvPr>
+            <p:ph type="sldNum" sz="quarter" idx="12"/>
+          </p:nvPr>
+        </p:nvSpPr>
+        <p:spPr/>
+        <p:txBody>
+          <a:bodyPr/>
+          <a:lstStyle/>
+          <a:p>
+            <a:fld id="{D9B91BA1-CD9E-4E83-8CF9-E4545718B126}" type="slidenum">
+              <a:rPr lang="ko-KR" altLang="en-US" smtClean="0"/>
+              <a:t>17</a:t>
+            </a:fld>
+            <a:endParaRPr lang="ko-KR" altLang="en-US"/>
+          </a:p>
+        </p:txBody>
+      </p:sp>
+    </p:spTree>
+    <p:extLst>
+      <p:ext uri="{BB962C8B-B14F-4D97-AF65-F5344CB8AC3E}">
+        <p14:creationId xmlns:p14="http://schemas.microsoft.com/office/powerpoint/2010/main" val="1613159979"/>
+      </p:ext>
+    </p:extLst>
+  </p:cSld>
+  <p:clrMapOvr>
+    <a:masterClrMapping/>
+  </p:clrMapOvr>
+</p:sld>
+</file>
+
+<file path=ppt/slides/slide18.xml><?xml version="1.0" encoding="utf-8"?>
+<p:sld xmlns:a="http://schemas.openxmlformats.org/drawingml/2006/main" xmlns:r="http://schemas.openxmlformats.org/officeDocument/2006/relationships" xmlns:p="http://schemas.openxmlformats.org/presentationml/2006/main">
+  <p:cSld>
+    <p:spTree>
+      <p:nvGrpSpPr>
+        <p:cNvPr id="1" name=""/>
+        <p:cNvGrpSpPr/>
+        <p:nvPr/>
+      </p:nvGrpSpPr>
+      <p:grpSpPr>
+        <a:xfrm>
+          <a:off x="0" y="0"/>
+          <a:ext cx="0" cy="0"/>
+          <a:chOff x="0" y="0"/>
+          <a:chExt cx="0" cy="0"/>
+        </a:xfrm>
+      </p:grpSpPr>
+      <mc:AlternateContent xmlns:mc="http://schemas.openxmlformats.org/markup-compatibility/2006">
+        <mc:Choice xmlns:a14="http://schemas.microsoft.com/office/drawing/2010/main" Requires="a14">
+          <p:sp>
+            <p:nvSpPr>
+              <p:cNvPr id="3" name="내용 개체 틀 2">
+                <a:extLst>
+                  <a:ext uri="{FF2B5EF4-FFF2-40B4-BE49-F238E27FC236}">
+                    <a16:creationId xmlns:a16="http://schemas.microsoft.com/office/drawing/2014/main" id="{B4C8ECBD-DE3D-4FEB-A8DA-672715ED9E19}"/>
+                  </a:ext>
+                </a:extLst>
+              </p:cNvPr>
+              <p:cNvSpPr>
+                <a:spLocks noGrp="1"/>
+              </p:cNvSpPr>
+              <p:nvPr>
+                <p:ph idx="1"/>
+              </p:nvPr>
+            </p:nvSpPr>
+            <p:spPr>
+              <a:xfrm>
+                <a:off x="838200" y="365125"/>
+                <a:ext cx="10515600" cy="5811838"/>
+              </a:xfrm>
+            </p:spPr>
+            <p:txBody>
+              <a:bodyPr>
+                <a:normAutofit/>
+              </a:bodyPr>
+              <a:lstStyle/>
+              <a:p>
+                <a:pPr>
+                  <a:lnSpc>
+                    <a:spcPct val="100000"/>
+                  </a:lnSpc>
+                </a:pPr>
+                <a14:m>
+                  <m:oMath xmlns:m="http://schemas.openxmlformats.org/officeDocument/2006/math">
+                    <m:r>
+                      <a:rPr lang="en-US" altLang="ko-KR" sz="2000" i="1" dirty="0">
+                        <a:latin typeface="Cambria Math" panose="02040503050406030204" pitchFamily="18" charset="0"/>
+                      </a:rPr>
+                      <m:t>𝒯</m:t>
+                    </m:r>
+                    <m:r>
+                      <a:rPr lang="en-US" altLang="ko-KR" sz="2000" i="1" dirty="0">
+                        <a:latin typeface="Cambria Math" panose="02040503050406030204" pitchFamily="18" charset="0"/>
+                      </a:rPr>
+                      <m:t>(</m:t>
+                    </m:r>
+                    <m:r>
+                      <a:rPr lang="en-US" altLang="ko-KR" sz="2000" i="1" dirty="0">
+                        <a:latin typeface="Cambria Math" panose="02040503050406030204" pitchFamily="18" charset="0"/>
+                      </a:rPr>
+                      <m:t>𝑠</m:t>
+                    </m:r>
+                    <m:r>
+                      <a:rPr lang="en-US" altLang="ko-KR" sz="2000" i="1" dirty="0">
+                        <a:latin typeface="Cambria Math" panose="02040503050406030204" pitchFamily="18" charset="0"/>
+                      </a:rPr>
+                      <m:t>)</m:t>
+                    </m:r>
+                  </m:oMath>
+                </a14:m>
+                <a:r>
+                  <a:rPr lang="ko-KR" altLang="en-US" sz="2000" dirty="0"/>
+                  <a:t> </a:t>
+                </a:r>
+                <a:r>
+                  <a:rPr lang="en-US" altLang="ko-KR" sz="2000" dirty="0"/>
+                  <a:t>denotes the set of all time steps in which state s is visited</a:t>
+                </a:r>
+              </a:p>
+              <a:p>
+                <a:pPr>
+                  <a:lnSpc>
+                    <a:spcPct val="100000"/>
+                  </a:lnSpc>
+                </a:pPr>
+                <a:r>
+                  <a:rPr lang="en-US" altLang="ko-KR" sz="2000" dirty="0">
+                    <a:solidFill>
+                      <a:srgbClr val="FF0000"/>
+                    </a:solidFill>
+                  </a:rPr>
+                  <a:t>Ordinary importance sampling</a:t>
+                </a:r>
+                <a:br>
+                  <a:rPr lang="en-US" altLang="ko-KR" sz="2000" dirty="0">
+                    <a:solidFill>
+                      <a:srgbClr val="FF0000"/>
+                    </a:solidFill>
+                  </a:rPr>
+                </a:br>
+                <a14:m>
+                  <m:oMath xmlns:m="http://schemas.openxmlformats.org/officeDocument/2006/math">
+                    <m:r>
+                      <a:rPr lang="en-US" altLang="ko-KR" sz="2000" b="0" i="1" smtClean="0">
+                        <a:latin typeface="Cambria Math" panose="02040503050406030204" pitchFamily="18" charset="0"/>
+                      </a:rPr>
+                      <m:t>𝑉</m:t>
+                    </m:r>
+                    <m:d>
+                      <m:dPr>
+                        <m:ctrlPr>
+                          <a:rPr lang="en-US" altLang="ko-KR" sz="2000" b="0" i="1" smtClean="0">
+                            <a:latin typeface="Cambria Math" panose="02040503050406030204" pitchFamily="18" charset="0"/>
+                          </a:rPr>
+                        </m:ctrlPr>
+                      </m:dPr>
+                      <m:e>
+                        <m:r>
+                          <a:rPr lang="en-US" altLang="ko-KR" sz="2000" b="0" i="1" smtClean="0">
+                            <a:latin typeface="Cambria Math" panose="02040503050406030204" pitchFamily="18" charset="0"/>
+                          </a:rPr>
+                          <m:t>𝑠</m:t>
+                        </m:r>
+                      </m:e>
+                    </m:d>
+                    <m:r>
+                      <a:rPr lang="en-US" altLang="ko-KR" sz="2000" b="0" i="1" smtClean="0">
+                        <a:latin typeface="Cambria Math" panose="02040503050406030204" pitchFamily="18" charset="0"/>
+                      </a:rPr>
+                      <m:t>=</m:t>
+                    </m:r>
+                    <m:f>
+                      <m:fPr>
+                        <m:ctrlPr>
+                          <a:rPr lang="en-US" altLang="ko-KR" sz="2000" b="0" i="1" smtClean="0">
+                            <a:latin typeface="Cambria Math" panose="02040503050406030204" pitchFamily="18" charset="0"/>
+                          </a:rPr>
+                        </m:ctrlPr>
+                      </m:fPr>
+                      <m:num>
+                        <m:r>
+                          <a:rPr lang="en-US" altLang="ko-KR" sz="2000" b="0" i="1" smtClean="0">
+                            <a:latin typeface="Cambria Math" panose="02040503050406030204" pitchFamily="18" charset="0"/>
+                          </a:rPr>
+                          <m:t>1</m:t>
+                        </m:r>
+                      </m:num>
+                      <m:den>
+                        <m:d>
+                          <m:dPr>
+                            <m:begChr m:val="|"/>
+                            <m:endChr m:val="|"/>
+                            <m:ctrlPr>
+                              <a:rPr lang="en-US" altLang="ko-KR" sz="2000" b="0" i="1" smtClean="0">
+                                <a:latin typeface="Cambria Math" panose="02040503050406030204" pitchFamily="18" charset="0"/>
+                              </a:rPr>
+                            </m:ctrlPr>
+                          </m:dPr>
+                          <m:e>
+                            <m:r>
+                              <a:rPr lang="en-US" altLang="ko-KR" sz="2000" b="0" i="1" smtClean="0">
+                                <a:latin typeface="Cambria Math" panose="02040503050406030204" pitchFamily="18" charset="0"/>
+                              </a:rPr>
+                              <m:t>𝒯</m:t>
+                            </m:r>
+                            <m:d>
+                              <m:dPr>
+                                <m:ctrlPr>
+                                  <a:rPr lang="en-US" altLang="ko-KR" sz="2000" b="0" i="1" smtClean="0">
+                                    <a:latin typeface="Cambria Math" panose="02040503050406030204" pitchFamily="18" charset="0"/>
+                                  </a:rPr>
+                                </m:ctrlPr>
+                              </m:dPr>
+                              <m:e>
+                                <m:r>
+                                  <a:rPr lang="en-US" altLang="ko-KR" sz="2000" b="0" i="1" smtClean="0">
+                                    <a:latin typeface="Cambria Math" panose="02040503050406030204" pitchFamily="18" charset="0"/>
+                                  </a:rPr>
+                                  <m:t>𝑠</m:t>
+                                </m:r>
+                              </m:e>
+                            </m:d>
+                          </m:e>
+                        </m:d>
+                      </m:den>
+                    </m:f>
+                    <m:nary>
+                      <m:naryPr>
+                        <m:chr m:val="∑"/>
+                        <m:supHide m:val="on"/>
+                        <m:ctrlPr>
+                          <a:rPr lang="en-US" altLang="ko-KR" sz="2000" b="0" i="1" smtClean="0">
+                            <a:latin typeface="Cambria Math" panose="02040503050406030204" pitchFamily="18" charset="0"/>
+                          </a:rPr>
+                        </m:ctrlPr>
+                      </m:naryPr>
+                      <m:sub>
+                        <m:r>
+                          <a:rPr lang="en-US" altLang="ko-KR" sz="2000" b="0" i="1" smtClean="0">
+                            <a:latin typeface="Cambria Math" panose="02040503050406030204" pitchFamily="18" charset="0"/>
+                          </a:rPr>
+                          <m:t>𝑡</m:t>
+                        </m:r>
+                        <m:r>
+                          <a:rPr lang="en-US" altLang="ko-KR" sz="2000" b="0" i="1" smtClean="0">
+                            <a:latin typeface="Cambria Math" panose="02040503050406030204" pitchFamily="18" charset="0"/>
+                          </a:rPr>
+                          <m:t>∈</m:t>
+                        </m:r>
+                        <m:r>
+                          <a:rPr lang="en-US" altLang="ko-KR" sz="2000" b="0" i="1" smtClean="0">
+                            <a:latin typeface="Cambria Math" panose="02040503050406030204" pitchFamily="18" charset="0"/>
+                          </a:rPr>
+                          <m:t>𝒯</m:t>
+                        </m:r>
+                        <m:d>
+                          <m:dPr>
+                            <m:ctrlPr>
+                              <a:rPr lang="en-US" altLang="ko-KR" sz="2000" b="0" i="1" smtClean="0">
+                                <a:latin typeface="Cambria Math" panose="02040503050406030204" pitchFamily="18" charset="0"/>
+                              </a:rPr>
+                            </m:ctrlPr>
+                          </m:dPr>
+                          <m:e>
+                            <m:r>
+                              <a:rPr lang="en-US" altLang="ko-KR" sz="2000" b="0" i="1" smtClean="0">
+                                <a:latin typeface="Cambria Math" panose="02040503050406030204" pitchFamily="18" charset="0"/>
+                              </a:rPr>
+                              <m:t>𝑠</m:t>
+                            </m:r>
+                          </m:e>
+                        </m:d>
+                      </m:sub>
+                      <m:sup/>
+                      <m:e>
+                        <m:sSub>
+                          <m:sSubPr>
+                            <m:ctrlPr>
+                              <a:rPr lang="en-US" altLang="ko-KR" sz="2000" i="1">
+                                <a:latin typeface="Cambria Math" panose="02040503050406030204" pitchFamily="18" charset="0"/>
+                              </a:rPr>
+                            </m:ctrlPr>
+                          </m:sSubPr>
+                          <m:e>
+                            <m:r>
+                              <a:rPr lang="en-US" altLang="ko-KR" sz="2000" i="1">
+                                <a:latin typeface="Cambria Math" panose="02040503050406030204" pitchFamily="18" charset="0"/>
+                              </a:rPr>
+                              <m:t>𝜌</m:t>
+                            </m:r>
+                          </m:e>
+                          <m:sub>
+                            <m:r>
+                              <a:rPr lang="en-US" altLang="ko-KR" sz="2000" i="1">
+                                <a:latin typeface="Cambria Math" panose="02040503050406030204" pitchFamily="18" charset="0"/>
+                              </a:rPr>
+                              <m:t>𝑡</m:t>
+                            </m:r>
+                            <m:r>
+                              <a:rPr lang="en-US" altLang="ko-KR" sz="2000" i="1">
+                                <a:latin typeface="Cambria Math" panose="02040503050406030204" pitchFamily="18" charset="0"/>
+                              </a:rPr>
+                              <m:t>:</m:t>
+                            </m:r>
+                            <m:r>
+                              <a:rPr lang="en-US" altLang="ko-KR" sz="2000" i="1">
+                                <a:latin typeface="Cambria Math" panose="02040503050406030204" pitchFamily="18" charset="0"/>
+                              </a:rPr>
+                              <m:t>𝑇</m:t>
+                            </m:r>
+                            <m:r>
+                              <a:rPr lang="en-US" altLang="ko-KR" sz="2000" b="0" i="1" smtClean="0">
+                                <a:latin typeface="Cambria Math" panose="02040503050406030204" pitchFamily="18" charset="0"/>
+                              </a:rPr>
+                              <m:t>(</m:t>
+                            </m:r>
+                            <m:r>
+                              <a:rPr lang="en-US" altLang="ko-KR" sz="2000" b="0" i="1" smtClean="0">
+                                <a:latin typeface="Cambria Math" panose="02040503050406030204" pitchFamily="18" charset="0"/>
+                              </a:rPr>
+                              <m:t>𝑡</m:t>
+                            </m:r>
+                            <m:r>
+                              <a:rPr lang="en-US" altLang="ko-KR" sz="2000" b="0" i="1" smtClean="0">
+                                <a:latin typeface="Cambria Math" panose="02040503050406030204" pitchFamily="18" charset="0"/>
+                              </a:rPr>
+                              <m:t>)−1</m:t>
+                            </m:r>
+                          </m:sub>
+                        </m:sSub>
+                        <m:sSub>
+                          <m:sSubPr>
+                            <m:ctrlPr>
+                              <a:rPr lang="en-US" altLang="ko-KR" sz="2000" i="1">
+                                <a:latin typeface="Cambria Math" panose="02040503050406030204" pitchFamily="18" charset="0"/>
+                              </a:rPr>
+                            </m:ctrlPr>
+                          </m:sSubPr>
+                          <m:e>
+                            <m:r>
+                              <a:rPr lang="en-US" altLang="ko-KR" sz="2000" i="1">
+                                <a:latin typeface="Cambria Math" panose="02040503050406030204" pitchFamily="18" charset="0"/>
+                              </a:rPr>
+                              <m:t>𝐺</m:t>
+                            </m:r>
+                          </m:e>
+                          <m:sub>
+                            <m:r>
+                              <a:rPr lang="en-US" altLang="ko-KR" sz="2000" i="1">
+                                <a:latin typeface="Cambria Math" panose="02040503050406030204" pitchFamily="18" charset="0"/>
+                              </a:rPr>
+                              <m:t>𝑡</m:t>
+                            </m:r>
+                          </m:sub>
+                        </m:sSub>
+                      </m:e>
+                    </m:nary>
+                  </m:oMath>
+                </a14:m>
+                <a:endParaRPr lang="en-US" altLang="ko-KR" sz="2000" dirty="0"/>
+              </a:p>
+              <a:p>
+                <a:pPr>
+                  <a:lnSpc>
+                    <a:spcPct val="100000"/>
+                  </a:lnSpc>
+                </a:pPr>
+                <a:r>
+                  <a:rPr lang="en-US" altLang="ko-KR" sz="2000" dirty="0">
+                    <a:solidFill>
+                      <a:srgbClr val="FF0000"/>
+                    </a:solidFill>
+                  </a:rPr>
+                  <a:t>Weighted importance sampling</a:t>
+                </a:r>
+                <a:br>
+                  <a:rPr lang="en-US" altLang="ko-KR" sz="2000" dirty="0">
+                    <a:solidFill>
+                      <a:srgbClr val="FF0000"/>
+                    </a:solidFill>
+                  </a:rPr>
+                </a:br>
+                <a14:m>
+                  <m:oMath xmlns:m="http://schemas.openxmlformats.org/officeDocument/2006/math">
+                    <m:r>
+                      <a:rPr lang="en-US" altLang="ko-KR" sz="2000" i="1">
+                        <a:latin typeface="Cambria Math" panose="02040503050406030204" pitchFamily="18" charset="0"/>
+                      </a:rPr>
+                      <m:t>𝑉</m:t>
+                    </m:r>
+                    <m:d>
+                      <m:dPr>
+                        <m:ctrlPr>
+                          <a:rPr lang="en-US" altLang="ko-KR" sz="2000" i="1">
+                            <a:latin typeface="Cambria Math" panose="02040503050406030204" pitchFamily="18" charset="0"/>
+                          </a:rPr>
+                        </m:ctrlPr>
+                      </m:dPr>
+                      <m:e>
+                        <m:r>
+                          <a:rPr lang="en-US" altLang="ko-KR" sz="2000" i="1">
+                            <a:latin typeface="Cambria Math" panose="02040503050406030204" pitchFamily="18" charset="0"/>
+                          </a:rPr>
+                          <m:t>𝑠</m:t>
+                        </m:r>
+                      </m:e>
+                    </m:d>
+                    <m:r>
+                      <a:rPr lang="en-US" altLang="ko-KR" sz="2000" i="1">
+                        <a:latin typeface="Cambria Math" panose="02040503050406030204" pitchFamily="18" charset="0"/>
+                      </a:rPr>
+                      <m:t>=</m:t>
+                    </m:r>
+                    <m:f>
+                      <m:fPr>
+                        <m:ctrlPr>
+                          <a:rPr lang="en-US" altLang="ko-KR" sz="2000" i="1">
+                            <a:latin typeface="Cambria Math" panose="02040503050406030204" pitchFamily="18" charset="0"/>
+                          </a:rPr>
+                        </m:ctrlPr>
+                      </m:fPr>
+                      <m:num>
+                        <m:nary>
+                          <m:naryPr>
+                            <m:chr m:val="∑"/>
+                            <m:supHide m:val="on"/>
+                            <m:ctrlPr>
+                              <a:rPr lang="en-US" altLang="ko-KR" sz="2000" i="1">
+                                <a:latin typeface="Cambria Math" panose="02040503050406030204" pitchFamily="18" charset="0"/>
+                              </a:rPr>
+                            </m:ctrlPr>
+                          </m:naryPr>
+                          <m:sub>
+                            <m:r>
+                              <a:rPr lang="en-US" altLang="ko-KR" sz="2000" i="1">
+                                <a:latin typeface="Cambria Math" panose="02040503050406030204" pitchFamily="18" charset="0"/>
+                              </a:rPr>
+                              <m:t>𝑡</m:t>
+                            </m:r>
+                            <m:r>
+                              <a:rPr lang="en-US" altLang="ko-KR" sz="2000" i="1">
+                                <a:latin typeface="Cambria Math" panose="02040503050406030204" pitchFamily="18" charset="0"/>
+                              </a:rPr>
+                              <m:t>∈</m:t>
+                            </m:r>
+                            <m:r>
+                              <a:rPr lang="en-US" altLang="ko-KR" sz="2000" i="1">
+                                <a:latin typeface="Cambria Math" panose="02040503050406030204" pitchFamily="18" charset="0"/>
+                              </a:rPr>
+                              <m:t>𝒯</m:t>
+                            </m:r>
+                            <m:d>
+                              <m:dPr>
+                                <m:ctrlPr>
+                                  <a:rPr lang="en-US" altLang="ko-KR" sz="2000" i="1">
+                                    <a:latin typeface="Cambria Math" panose="02040503050406030204" pitchFamily="18" charset="0"/>
+                                  </a:rPr>
+                                </m:ctrlPr>
+                              </m:dPr>
+                              <m:e>
+                                <m:r>
+                                  <a:rPr lang="en-US" altLang="ko-KR" sz="2000" i="1">
+                                    <a:latin typeface="Cambria Math" panose="02040503050406030204" pitchFamily="18" charset="0"/>
+                                  </a:rPr>
+                                  <m:t>𝑠</m:t>
+                                </m:r>
+                              </m:e>
+                            </m:d>
+                          </m:sub>
+                          <m:sup/>
+                          <m:e>
+                            <m:sSub>
+                              <m:sSubPr>
+                                <m:ctrlPr>
+                                  <a:rPr lang="en-US" altLang="ko-KR" sz="2000" i="1">
+                                    <a:latin typeface="Cambria Math" panose="02040503050406030204" pitchFamily="18" charset="0"/>
+                                  </a:rPr>
+                                </m:ctrlPr>
+                              </m:sSubPr>
+                              <m:e>
+                                <m:r>
+                                  <a:rPr lang="en-US" altLang="ko-KR" sz="2000" i="1">
+                                    <a:latin typeface="Cambria Math" panose="02040503050406030204" pitchFamily="18" charset="0"/>
+                                  </a:rPr>
+                                  <m:t>𝜌</m:t>
+                                </m:r>
+                              </m:e>
+                              <m:sub>
+                                <m:r>
+                                  <a:rPr lang="en-US" altLang="ko-KR" sz="2000" i="1">
+                                    <a:latin typeface="Cambria Math" panose="02040503050406030204" pitchFamily="18" charset="0"/>
+                                  </a:rPr>
+                                  <m:t>𝑡</m:t>
+                                </m:r>
+                                <m:r>
+                                  <a:rPr lang="en-US" altLang="ko-KR" sz="2000" i="1">
+                                    <a:latin typeface="Cambria Math" panose="02040503050406030204" pitchFamily="18" charset="0"/>
+                                  </a:rPr>
+                                  <m:t>:</m:t>
+                                </m:r>
+                                <m:r>
+                                  <a:rPr lang="en-US" altLang="ko-KR" sz="2000" i="1">
+                                    <a:latin typeface="Cambria Math" panose="02040503050406030204" pitchFamily="18" charset="0"/>
+                                  </a:rPr>
+                                  <m:t>𝑇</m:t>
+                                </m:r>
+                                <m:r>
+                                  <a:rPr lang="en-US" altLang="ko-KR" sz="2000" i="1">
+                                    <a:latin typeface="Cambria Math" panose="02040503050406030204" pitchFamily="18" charset="0"/>
+                                  </a:rPr>
+                                  <m:t>(</m:t>
+                                </m:r>
+                                <m:r>
+                                  <a:rPr lang="en-US" altLang="ko-KR" sz="2000" i="1">
+                                    <a:latin typeface="Cambria Math" panose="02040503050406030204" pitchFamily="18" charset="0"/>
+                                  </a:rPr>
+                                  <m:t>𝑡</m:t>
+                                </m:r>
+                                <m:r>
+                                  <a:rPr lang="en-US" altLang="ko-KR" sz="2000" i="1">
+                                    <a:latin typeface="Cambria Math" panose="02040503050406030204" pitchFamily="18" charset="0"/>
+                                  </a:rPr>
+                                  <m:t>)−1</m:t>
+                                </m:r>
+                              </m:sub>
+                            </m:sSub>
+                            <m:sSub>
+                              <m:sSubPr>
+                                <m:ctrlPr>
+                                  <a:rPr lang="en-US" altLang="ko-KR" sz="2000" i="1">
+                                    <a:latin typeface="Cambria Math" panose="02040503050406030204" pitchFamily="18" charset="0"/>
+                                  </a:rPr>
+                                </m:ctrlPr>
+                              </m:sSubPr>
+                              <m:e>
+                                <m:r>
+                                  <a:rPr lang="en-US" altLang="ko-KR" sz="2000" i="1">
+                                    <a:latin typeface="Cambria Math" panose="02040503050406030204" pitchFamily="18" charset="0"/>
+                                  </a:rPr>
+                                  <m:t>𝐺</m:t>
+                                </m:r>
+                              </m:e>
+                              <m:sub>
+                                <m:r>
+                                  <a:rPr lang="en-US" altLang="ko-KR" sz="2000" i="1">
+                                    <a:latin typeface="Cambria Math" panose="02040503050406030204" pitchFamily="18" charset="0"/>
+                                  </a:rPr>
+                                  <m:t>𝑡</m:t>
+                                </m:r>
+                              </m:sub>
+                            </m:sSub>
+                          </m:e>
+                        </m:nary>
+                      </m:num>
+                      <m:den>
+                        <m:nary>
+                          <m:naryPr>
+                            <m:chr m:val="∑"/>
+                            <m:supHide m:val="on"/>
+                            <m:ctrlPr>
+                              <a:rPr lang="en-US" altLang="ko-KR" sz="2000" i="1">
+                                <a:latin typeface="Cambria Math" panose="02040503050406030204" pitchFamily="18" charset="0"/>
+                              </a:rPr>
+                            </m:ctrlPr>
+                          </m:naryPr>
+                          <m:sub>
+                            <m:r>
+                              <a:rPr lang="en-US" altLang="ko-KR" sz="2000" i="1">
+                                <a:latin typeface="Cambria Math" panose="02040503050406030204" pitchFamily="18" charset="0"/>
+                              </a:rPr>
+                              <m:t>𝑡</m:t>
+                            </m:r>
+                            <m:r>
+                              <a:rPr lang="en-US" altLang="ko-KR" sz="2000" i="1">
+                                <a:latin typeface="Cambria Math" panose="02040503050406030204" pitchFamily="18" charset="0"/>
+                              </a:rPr>
+                              <m:t>∈</m:t>
+                            </m:r>
+                            <m:r>
+                              <a:rPr lang="en-US" altLang="ko-KR" sz="2000" i="1">
+                                <a:latin typeface="Cambria Math" panose="02040503050406030204" pitchFamily="18" charset="0"/>
+                              </a:rPr>
+                              <m:t>𝒯</m:t>
+                            </m:r>
+                            <m:d>
+                              <m:dPr>
+                                <m:ctrlPr>
+                                  <a:rPr lang="en-US" altLang="ko-KR" sz="2000" i="1">
+                                    <a:latin typeface="Cambria Math" panose="02040503050406030204" pitchFamily="18" charset="0"/>
+                                  </a:rPr>
+                                </m:ctrlPr>
+                              </m:dPr>
+                              <m:e>
+                                <m:r>
+                                  <a:rPr lang="en-US" altLang="ko-KR" sz="2000" i="1">
+                                    <a:latin typeface="Cambria Math" panose="02040503050406030204" pitchFamily="18" charset="0"/>
+                                  </a:rPr>
+                                  <m:t>𝑠</m:t>
+                                </m:r>
+                              </m:e>
+                            </m:d>
+                          </m:sub>
+                          <m:sup/>
+                          <m:e>
+                            <m:sSub>
+                              <m:sSubPr>
+                                <m:ctrlPr>
+                                  <a:rPr lang="en-US" altLang="ko-KR" sz="2000" i="1">
+                                    <a:latin typeface="Cambria Math" panose="02040503050406030204" pitchFamily="18" charset="0"/>
+                                  </a:rPr>
+                                </m:ctrlPr>
+                              </m:sSubPr>
+                              <m:e>
+                                <m:r>
+                                  <a:rPr lang="en-US" altLang="ko-KR" sz="2000" i="1">
+                                    <a:latin typeface="Cambria Math" panose="02040503050406030204" pitchFamily="18" charset="0"/>
+                                  </a:rPr>
+                                  <m:t>𝜌</m:t>
+                                </m:r>
+                              </m:e>
+                              <m:sub>
+                                <m:r>
+                                  <a:rPr lang="en-US" altLang="ko-KR" sz="2000" i="1">
+                                    <a:latin typeface="Cambria Math" panose="02040503050406030204" pitchFamily="18" charset="0"/>
+                                  </a:rPr>
+                                  <m:t>𝑡</m:t>
+                                </m:r>
+                                <m:r>
+                                  <a:rPr lang="en-US" altLang="ko-KR" sz="2000" i="1">
+                                    <a:latin typeface="Cambria Math" panose="02040503050406030204" pitchFamily="18" charset="0"/>
+                                  </a:rPr>
+                                  <m:t>:</m:t>
+                                </m:r>
+                                <m:r>
+                                  <a:rPr lang="en-US" altLang="ko-KR" sz="2000" i="1">
+                                    <a:latin typeface="Cambria Math" panose="02040503050406030204" pitchFamily="18" charset="0"/>
+                                  </a:rPr>
+                                  <m:t>𝑇</m:t>
+                                </m:r>
+                                <m:r>
+                                  <a:rPr lang="en-US" altLang="ko-KR" sz="2000" i="1">
+                                    <a:latin typeface="Cambria Math" panose="02040503050406030204" pitchFamily="18" charset="0"/>
+                                  </a:rPr>
+                                  <m:t>(</m:t>
+                                </m:r>
+                                <m:r>
+                                  <a:rPr lang="en-US" altLang="ko-KR" sz="2000" i="1">
+                                    <a:latin typeface="Cambria Math" panose="02040503050406030204" pitchFamily="18" charset="0"/>
+                                  </a:rPr>
+                                  <m:t>𝑡</m:t>
+                                </m:r>
+                                <m:r>
+                                  <a:rPr lang="en-US" altLang="ko-KR" sz="2000" i="1">
+                                    <a:latin typeface="Cambria Math" panose="02040503050406030204" pitchFamily="18" charset="0"/>
+                                  </a:rPr>
+                                  <m:t>)−1</m:t>
+                                </m:r>
+                              </m:sub>
+                            </m:sSub>
+                          </m:e>
+                        </m:nary>
+                      </m:den>
+                    </m:f>
+                  </m:oMath>
+                </a14:m>
+                <a:br>
+                  <a:rPr lang="en-US" altLang="ko-KR" sz="2000" dirty="0"/>
+                </a:br>
+                <a:endParaRPr lang="ko-KR" altLang="en-US" sz="2000" dirty="0"/>
+              </a:p>
+            </p:txBody>
+          </p:sp>
+        </mc:Choice>
+        <mc:Fallback>
+          <p:sp>
+            <p:nvSpPr>
+              <p:cNvPr id="3" name="내용 개체 틀 2">
+                <a:extLst>
+                  <a:ext uri="{FF2B5EF4-FFF2-40B4-BE49-F238E27FC236}">
+                    <a16:creationId xmlns:a16="http://schemas.microsoft.com/office/drawing/2014/main" id="{B4C8ECBD-DE3D-4FEB-A8DA-672715ED9E19}"/>
+                  </a:ext>
+                </a:extLst>
+              </p:cNvPr>
+              <p:cNvSpPr>
+                <a:spLocks noGrp="1" noRot="1" noChangeAspect="1" noMove="1" noResize="1" noEditPoints="1" noAdjustHandles="1" noChangeArrowheads="1" noChangeShapeType="1" noTextEdit="1"/>
+              </p:cNvSpPr>
+              <p:nvPr>
+                <p:ph idx="1"/>
+              </p:nvPr>
+            </p:nvSpPr>
+            <p:spPr>
+              <a:xfrm>
+                <a:off x="838200" y="365125"/>
+                <a:ext cx="10515600" cy="5811838"/>
+              </a:xfrm>
+              <a:blipFill>
+                <a:blip r:embed="rId2"/>
+                <a:stretch>
+                  <a:fillRect l="-522" t="-630"/>
+                </a:stretch>
+              </a:blipFill>
+            </p:spPr>
+            <p:txBody>
+              <a:bodyPr/>
+              <a:lstStyle/>
+              <a:p>
+                <a:r>
+                  <a:rPr lang="ko-KR" altLang="en-US">
+                    <a:noFill/>
+                  </a:rPr>
+                  <a:t> </a:t>
+                </a:r>
+              </a:p>
+            </p:txBody>
+          </p:sp>
+        </mc:Fallback>
+      </mc:AlternateContent>
+      <p:sp>
+        <p:nvSpPr>
+          <p:cNvPr id="4" name="슬라이드 번호 개체 틀 3">
+            <a:extLst>
+              <a:ext uri="{FF2B5EF4-FFF2-40B4-BE49-F238E27FC236}">
+                <a16:creationId xmlns:a16="http://schemas.microsoft.com/office/drawing/2014/main" id="{B6377AF9-4DDC-4AA8-B204-28B2BA46EBAF}"/>
+              </a:ext>
+            </a:extLst>
+          </p:cNvPr>
+          <p:cNvSpPr>
+            <a:spLocks noGrp="1"/>
+          </p:cNvSpPr>
+          <p:nvPr>
+            <p:ph type="sldNum" sz="quarter" idx="12"/>
+          </p:nvPr>
+        </p:nvSpPr>
+        <p:spPr/>
+        <p:txBody>
+          <a:bodyPr/>
+          <a:lstStyle/>
+          <a:p>
+            <a:fld id="{D9B91BA1-CD9E-4E83-8CF9-E4545718B126}" type="slidenum">
+              <a:rPr lang="ko-KR" altLang="en-US" smtClean="0"/>
+              <a:t>18</a:t>
+            </a:fld>
+            <a:endParaRPr lang="ko-KR" altLang="en-US"/>
+          </a:p>
+        </p:txBody>
+      </p:sp>
+    </p:spTree>
+    <p:extLst>
+      <p:ext uri="{BB962C8B-B14F-4D97-AF65-F5344CB8AC3E}">
+        <p14:creationId xmlns:p14="http://schemas.microsoft.com/office/powerpoint/2010/main" val="2076935270"/>
+      </p:ext>
+    </p:extLst>
+  </p:cSld>
+  <p:clrMapOvr>
+    <a:masterClrMapping/>
+  </p:clrMapOvr>
+</p:sld>
+</file>
+
+<file path=ppt/slides/slide19.xml><?xml version="1.0" encoding="utf-8"?>
+<p:sld xmlns:a="http://schemas.openxmlformats.org/drawingml/2006/main" xmlns:r="http://schemas.openxmlformats.org/officeDocument/2006/relationships" xmlns:p="http://schemas.openxmlformats.org/presentationml/2006/main">
+  <p:cSld>
+    <p:spTree>
+      <p:nvGrpSpPr>
+        <p:cNvPr id="1" name=""/>
+        <p:cNvGrpSpPr/>
+        <p:nvPr/>
+      </p:nvGrpSpPr>
+      <p:grpSpPr>
+        <a:xfrm>
+          <a:off x="0" y="0"/>
+          <a:ext cx="0" cy="0"/>
+          <a:chOff x="0" y="0"/>
+          <a:chExt cx="0" cy="0"/>
+        </a:xfrm>
+      </p:grpSpPr>
+      <p:sp>
+        <p:nvSpPr>
+          <p:cNvPr id="2" name="제목 1">
+            <a:extLst>
+              <a:ext uri="{FF2B5EF4-FFF2-40B4-BE49-F238E27FC236}">
+                <a16:creationId xmlns:a16="http://schemas.microsoft.com/office/drawing/2014/main" id="{63C3E4ED-CAD3-41C5-860F-5824D008F631}"/>
+              </a:ext>
+            </a:extLst>
+          </p:cNvPr>
+          <p:cNvSpPr>
+            <a:spLocks noGrp="1"/>
+          </p:cNvSpPr>
+          <p:nvPr>
+            <p:ph type="title"/>
+          </p:nvPr>
+        </p:nvSpPr>
+        <p:spPr/>
+        <p:txBody>
+          <a:bodyPr>
+            <a:normAutofit/>
+          </a:bodyPr>
+          <a:lstStyle/>
+          <a:p>
+            <a:r>
+              <a:rPr lang="en-US" altLang="ko-KR" dirty="0"/>
+              <a:t>5.5 Off-policy Prediction via Importance</a:t>
+            </a:r>
+            <a:br>
+              <a:rPr lang="en-US" altLang="ko-KR" dirty="0"/>
+            </a:br>
+            <a:r>
+              <a:rPr lang="en-US" altLang="ko-KR" dirty="0"/>
+              <a:t>     Sampling</a:t>
+            </a:r>
+            <a:endParaRPr lang="ko-KR" altLang="en-US" dirty="0"/>
+          </a:p>
+        </p:txBody>
+      </p:sp>
+      <p:sp>
+        <p:nvSpPr>
+          <p:cNvPr id="3" name="내용 개체 틀 2">
+            <a:extLst>
+              <a:ext uri="{FF2B5EF4-FFF2-40B4-BE49-F238E27FC236}">
+                <a16:creationId xmlns:a16="http://schemas.microsoft.com/office/drawing/2014/main" id="{D85D3FA3-2974-44E9-AC3C-D66438D0A72A}"/>
+              </a:ext>
+            </a:extLst>
+          </p:cNvPr>
+          <p:cNvSpPr>
+            <a:spLocks noGrp="1"/>
+          </p:cNvSpPr>
+          <p:nvPr>
+            <p:ph idx="1"/>
+          </p:nvPr>
+        </p:nvSpPr>
+        <p:spPr/>
+        <p:txBody>
+          <a:bodyPr/>
+          <a:lstStyle/>
+          <a:p>
+            <a:r>
+              <a:rPr lang="en-US" altLang="ko-KR" dirty="0"/>
+              <a:t>Dilemma</a:t>
+            </a:r>
+          </a:p>
+          <a:p>
+            <a:pPr lvl="1"/>
+            <a:endParaRPr lang="en-US" altLang="ko-KR" dirty="0"/>
+          </a:p>
+          <a:p>
+            <a:pPr lvl="1"/>
+            <a:endParaRPr lang="en-US" altLang="ko-KR" dirty="0"/>
+          </a:p>
+          <a:p>
+            <a:r>
+              <a:rPr lang="en-US" altLang="ko-KR" dirty="0"/>
+              <a:t>Off-policy learning</a:t>
+            </a:r>
+          </a:p>
+          <a:p>
+            <a:pPr lvl="1"/>
+            <a:r>
+              <a:rPr lang="en-US" altLang="ko-KR" dirty="0"/>
+              <a:t>Example</a:t>
+            </a:r>
+          </a:p>
+          <a:p>
+            <a:pPr lvl="2"/>
+            <a:r>
+              <a:rPr lang="en-US" altLang="ko-KR" dirty="0"/>
+              <a:t>To use two policies, the </a:t>
+            </a:r>
+            <a:r>
+              <a:rPr lang="en-US" altLang="ko-KR" dirty="0">
+                <a:solidFill>
+                  <a:srgbClr val="FF0000"/>
+                </a:solidFill>
+              </a:rPr>
+              <a:t>target policy</a:t>
+            </a:r>
+            <a:r>
+              <a:rPr lang="en-US" altLang="ko-KR" dirty="0"/>
+              <a:t> and the </a:t>
+            </a:r>
+            <a:r>
+              <a:rPr lang="en-US" altLang="ko-KR" dirty="0">
+                <a:solidFill>
+                  <a:srgbClr val="FF0000"/>
+                </a:solidFill>
+              </a:rPr>
+              <a:t>behavior policy</a:t>
+            </a:r>
+          </a:p>
+          <a:p>
+            <a:pPr lvl="2"/>
+            <a:r>
+              <a:rPr lang="en-US" altLang="ko-KR" dirty="0"/>
+              <a:t>The target policy is learned about and becomes the optimal policy</a:t>
+            </a:r>
+          </a:p>
+          <a:p>
+            <a:pPr lvl="2"/>
+            <a:r>
+              <a:rPr lang="en-US" altLang="ko-KR" dirty="0"/>
+              <a:t>The behavior policy is more exploratory and is used to generate behavior</a:t>
+            </a:r>
+            <a:endParaRPr lang="ko-KR" altLang="en-US" dirty="0"/>
+          </a:p>
+        </p:txBody>
+      </p:sp>
+      <p:sp>
+        <p:nvSpPr>
+          <p:cNvPr id="4" name="슬라이드 번호 개체 틀 3">
+            <a:extLst>
+              <a:ext uri="{FF2B5EF4-FFF2-40B4-BE49-F238E27FC236}">
+                <a16:creationId xmlns:a16="http://schemas.microsoft.com/office/drawing/2014/main" id="{9E8C438E-E035-4035-AA0D-0B5066FF584D}"/>
+              </a:ext>
+            </a:extLst>
+          </p:cNvPr>
+          <p:cNvSpPr>
+            <a:spLocks noGrp="1"/>
+          </p:cNvSpPr>
+          <p:nvPr>
+            <p:ph type="sldNum" sz="quarter" idx="12"/>
+          </p:nvPr>
+        </p:nvSpPr>
+        <p:spPr/>
+        <p:txBody>
+          <a:bodyPr/>
+          <a:lstStyle/>
+          <a:p>
+            <a:fld id="{D9B91BA1-CD9E-4E83-8CF9-E4545718B126}" type="slidenum">
+              <a:rPr lang="ko-KR" altLang="en-US" smtClean="0"/>
+              <a:t>19</a:t>
+            </a:fld>
+            <a:endParaRPr lang="ko-KR" altLang="en-US"/>
+          </a:p>
+        </p:txBody>
+      </p:sp>
+    </p:spTree>
+    <p:extLst>
+      <p:ext uri="{BB962C8B-B14F-4D97-AF65-F5344CB8AC3E}">
+        <p14:creationId xmlns:p14="http://schemas.microsoft.com/office/powerpoint/2010/main" val="2040401999"/>
       </p:ext>
     </p:extLst>
   </p:cSld>
@@ -5793,8 +9628,8 @@
           </a:p>
         </p:txBody>
       </p:sp>
-      <mc:AlternateContent xmlns:mc="http://schemas.openxmlformats.org/markup-compatibility/2006">
-        <mc:Choice xmlns:a14="http://schemas.microsoft.com/office/drawing/2010/main" Requires="a14">
+      <mc:AlternateContent xmlns:mc="http://schemas.openxmlformats.org/markup-compatibility/2006" xmlns:a14="http://schemas.microsoft.com/office/drawing/2010/main">
+        <mc:Choice Requires="a14">
           <p:sp>
             <p:nvSpPr>
               <p:cNvPr id="3" name="내용 개체 틀 2">
@@ -6508,7 +10343,7 @@
             </p:txBody>
           </p:sp>
         </mc:Choice>
-        <mc:Fallback>
+        <mc:Fallback xmlns="">
           <p:sp>
             <p:nvSpPr>
               <p:cNvPr id="3" name="내용 개체 틀 2">
@@ -7813,7 +11648,7 @@
             <p:spPr>
               <a:xfrm>
                 <a:off x="838200" y="1825625"/>
-                <a:ext cx="6948055" cy="4351338"/>
+                <a:ext cx="6948055" cy="1887393"/>
               </a:xfrm>
             </p:spPr>
             <p:txBody>
@@ -7968,12 +11803,12 @@
             <p:spPr>
               <a:xfrm>
                 <a:off x="838200" y="1825625"/>
-                <a:ext cx="6948055" cy="4351338"/>
+                <a:ext cx="6948055" cy="1887393"/>
               </a:xfrm>
               <a:blipFill>
                 <a:blip r:embed="rId2"/>
                 <a:stretch>
-                  <a:fillRect l="-1580" t="-2381"/>
+                  <a:fillRect l="-1580" t="-5484"/>
                 </a:stretch>
               </a:blipFill>
             </p:spPr>
@@ -8051,6 +11886,42 @@
           </a:prstGeom>
         </p:spPr>
       </p:pic>
+      <p:sp>
+        <p:nvSpPr>
+          <p:cNvPr id="6" name="TextBox 5">
+            <a:extLst>
+              <a:ext uri="{FF2B5EF4-FFF2-40B4-BE49-F238E27FC236}">
+                <a16:creationId xmlns:a16="http://schemas.microsoft.com/office/drawing/2014/main" id="{D07C7525-FDAE-4025-B526-A9515F5E72FC}"/>
+              </a:ext>
+            </a:extLst>
+          </p:cNvPr>
+          <p:cNvSpPr txBox="1"/>
+          <p:nvPr/>
+        </p:nvSpPr>
+        <p:spPr>
+          <a:xfrm>
+            <a:off x="2743200" y="4710545"/>
+            <a:ext cx="4457118" cy="461665"/>
+          </a:xfrm>
+          <a:prstGeom prst="rect">
+            <a:avLst/>
+          </a:prstGeom>
+          <a:noFill/>
+        </p:spPr>
+        <p:txBody>
+          <a:bodyPr wrap="none" rtlCol="0">
+            <a:spAutoFit/>
+          </a:bodyPr>
+          <a:lstStyle/>
+          <a:p>
+            <a:r>
+              <a:rPr lang="en-US" altLang="ko-KR" sz="2400" dirty="0"/>
+              <a:t>Control: finding optimal policy</a:t>
+            </a:r>
+            <a:endParaRPr lang="ko-KR" altLang="en-US" sz="2400" dirty="0"/>
+          </a:p>
+        </p:txBody>
+      </p:sp>
     </p:spTree>
     <p:extLst>
       <p:ext uri="{BB962C8B-B14F-4D97-AF65-F5344CB8AC3E}">
